--- a/翻转课堂/翻转课堂-维护PPT.pptx
+++ b/翻转课堂/翻转课堂-维护PPT.pptx
@@ -972,7 +972,7 @@
                 <a:latin typeface="宋体" panose="02010600030101010101" pitchFamily="2" charset="-122"/>
                 <a:ea typeface="宋体" panose="02010600030101010101" pitchFamily="2" charset="-122"/>
               </a:rPr>
-              <a:t>2020/12/23</a:t>
+              <a:t>2020/12/24</a:t>
             </a:fld>
             <a:endParaRPr lang="zh-CN" altLang="en-US" dirty="0">
               <a:latin typeface="宋体" panose="02010600030101010101" pitchFamily="2" charset="-122"/>
@@ -1156,7 +1156,7 @@
             <a:fld id="{1AC49D05-6128-4D0D-A32A-06A5E73B386C}" type="datetimeFigureOut">
               <a:rPr lang="zh-CN" altLang="en-US" smtClean="0"/>
               <a:pPr/>
-              <a:t>2020/12/23</a:t>
+              <a:t>2020/12/24</a:t>
             </a:fld>
             <a:endParaRPr lang="zh-CN" altLang="en-US" dirty="0"/>
           </a:p>
@@ -3357,7 +3357,7 @@
           <a:p>
             <a:fld id="{760FBDFE-C587-4B4C-A407-44438C67B59E}" type="datetimeFigureOut">
               <a:rPr lang="zh-CN" altLang="en-US" smtClean="0"/>
-              <a:t>2020/12/23</a:t>
+              <a:t>2020/12/24</a:t>
             </a:fld>
             <a:endParaRPr lang="zh-CN" altLang="en-US"/>
           </a:p>
@@ -3727,7 +3727,7 @@
           <a:p>
             <a:fld id="{9EFD9D74-47D9-4702-A33C-335B63B48DBF}" type="datetimeFigureOut">
               <a:rPr lang="zh-CN" altLang="en-US" smtClean="0"/>
-              <a:t>2020/12/23</a:t>
+              <a:t>2020/12/24</a:t>
             </a:fld>
             <a:endParaRPr lang="zh-CN" altLang="en-US" dirty="0"/>
           </a:p>
@@ -4054,7 +4054,7 @@
           <a:p>
             <a:fld id="{760FBDFE-C587-4B4C-A407-44438C67B59E}" type="datetimeFigureOut">
               <a:rPr lang="zh-CN" altLang="en-US" smtClean="0"/>
-              <a:t>2020/12/23</a:t>
+              <a:t>2020/12/24</a:t>
             </a:fld>
             <a:endParaRPr lang="zh-CN" altLang="en-US"/>
           </a:p>
@@ -4177,7 +4177,7 @@
           <a:p>
             <a:fld id="{760FBDFE-C587-4B4C-A407-44438C67B59E}" type="datetimeFigureOut">
               <a:rPr lang="zh-CN" altLang="en-US" smtClean="0"/>
-              <a:t>2020/12/23</a:t>
+              <a:t>2020/12/24</a:t>
             </a:fld>
             <a:endParaRPr lang="zh-CN" altLang="en-US"/>
           </a:p>
@@ -4413,7 +4413,7 @@
           <a:p>
             <a:fld id="{760FBDFE-C587-4B4C-A407-44438C67B59E}" type="datetimeFigureOut">
               <a:rPr lang="zh-CN" altLang="en-US" smtClean="0"/>
-              <a:t>2020/12/23</a:t>
+              <a:t>2020/12/24</a:t>
             </a:fld>
             <a:endParaRPr lang="zh-CN" altLang="en-US"/>
           </a:p>
@@ -5271,7 +5271,7 @@
                 </a:solidFill>
               </a:rPr>
               <a:pPr/>
-              <a:t>2020/12/23</a:t>
+              <a:t>2020/12/24</a:t>
             </a:fld>
             <a:endParaRPr lang="zh-CN" altLang="en-US" dirty="0">
               <a:solidFill>
@@ -5454,7 +5454,7 @@
                 </a:solidFill>
               </a:rPr>
               <a:pPr/>
-              <a:t>2020/12/23</a:t>
+              <a:t>2020/12/24</a:t>
             </a:fld>
             <a:endParaRPr lang="zh-CN" altLang="en-US">
               <a:solidFill>
@@ -5717,7 +5717,7 @@
                 </a:solidFill>
               </a:rPr>
               <a:pPr/>
-              <a:t>2020/12/23</a:t>
+              <a:t>2020/12/24</a:t>
             </a:fld>
             <a:endParaRPr lang="zh-CN" altLang="en-US">
               <a:solidFill>
@@ -6528,7 +6528,7 @@
                 </a:solidFill>
               </a:rPr>
               <a:pPr/>
-              <a:t>2020/12/23</a:t>
+              <a:t>2020/12/24</a:t>
             </a:fld>
             <a:endParaRPr lang="zh-CN" altLang="en-US" dirty="0">
               <a:solidFill>
@@ -6711,7 +6711,7 @@
                 </a:solidFill>
               </a:rPr>
               <a:pPr/>
-              <a:t>2020/12/23</a:t>
+              <a:t>2020/12/24</a:t>
             </a:fld>
             <a:endParaRPr lang="zh-CN" altLang="en-US">
               <a:solidFill>
@@ -7043,7 +7043,7 @@
                 </a:solidFill>
               </a:rPr>
               <a:pPr/>
-              <a:t>2020/12/23</a:t>
+              <a:t>2020/12/24</a:t>
             </a:fld>
             <a:endParaRPr lang="zh-CN" altLang="en-US">
               <a:solidFill>
@@ -7854,7 +7854,7 @@
                 </a:solidFill>
               </a:rPr>
               <a:pPr/>
-              <a:t>2020/12/23</a:t>
+              <a:t>2020/12/24</a:t>
             </a:fld>
             <a:endParaRPr lang="zh-CN" altLang="en-US" dirty="0">
               <a:solidFill>
@@ -8037,7 +8037,7 @@
                 </a:solidFill>
               </a:rPr>
               <a:pPr/>
-              <a:t>2020/12/23</a:t>
+              <a:t>2020/12/24</a:t>
             </a:fld>
             <a:endParaRPr lang="zh-CN" altLang="en-US">
               <a:solidFill>
@@ -8300,7 +8300,7 @@
                 </a:solidFill>
               </a:rPr>
               <a:pPr/>
-              <a:t>2020/12/23</a:t>
+              <a:t>2020/12/24</a:t>
             </a:fld>
             <a:endParaRPr lang="zh-CN" altLang="en-US">
               <a:solidFill>
@@ -8807,7 +8807,7 @@
                 </a:solidFill>
               </a:rPr>
               <a:pPr/>
-              <a:t>2020/12/23</a:t>
+              <a:t>2020/12/24</a:t>
             </a:fld>
             <a:endParaRPr lang="zh-CN" altLang="en-US">
               <a:solidFill>
@@ -9037,7 +9037,7 @@
                 </a:solidFill>
               </a:rPr>
               <a:pPr/>
-              <a:t>2020/12/23</a:t>
+              <a:t>2020/12/24</a:t>
             </a:fld>
             <a:endParaRPr lang="zh-CN" altLang="en-US">
               <a:solidFill>
@@ -9469,7 +9469,7 @@
           <a:p>
             <a:fld id="{760FBDFE-C587-4B4C-A407-44438C67B59E}" type="datetimeFigureOut">
               <a:rPr lang="zh-CN" altLang="en-US" smtClean="0"/>
-              <a:t>2020/12/23</a:t>
+              <a:t>2020/12/24</a:t>
             </a:fld>
             <a:endParaRPr lang="zh-CN" altLang="en-US"/>
           </a:p>
@@ -9773,7 +9773,7 @@
           <a:p>
             <a:fld id="{760FBDFE-C587-4B4C-A407-44438C67B59E}" type="datetimeFigureOut">
               <a:rPr lang="zh-CN" altLang="en-US" smtClean="0"/>
-              <a:t>2020/12/23</a:t>
+              <a:t>2020/12/24</a:t>
             </a:fld>
             <a:endParaRPr lang="zh-CN" altLang="en-US"/>
           </a:p>
@@ -10274,7 +10274,7 @@
           <a:p>
             <a:fld id="{760FBDFE-C587-4B4C-A407-44438C67B59E}" type="datetimeFigureOut">
               <a:rPr lang="zh-CN" altLang="en-US" smtClean="0"/>
-              <a:t>2020/12/23</a:t>
+              <a:t>2020/12/24</a:t>
             </a:fld>
             <a:endParaRPr lang="zh-CN" altLang="en-US"/>
           </a:p>
@@ -11046,7 +11046,7 @@
           <a:p>
             <a:fld id="{760FBDFE-C587-4B4C-A407-44438C67B59E}" type="datetimeFigureOut">
               <a:rPr lang="zh-CN" altLang="en-US" smtClean="0"/>
-              <a:t>2020/12/23</a:t>
+              <a:t>2020/12/24</a:t>
             </a:fld>
             <a:endParaRPr lang="zh-CN" altLang="en-US"/>
           </a:p>
@@ -12985,99 +12985,6 @@
       </p:grpSp>
       <p:sp>
         <p:nvSpPr>
-          <p:cNvPr id="7" name="Title 6"/>
-          <p:cNvSpPr txBox="1"/>
-          <p:nvPr>
-            <p:custDataLst>
-              <p:tags r:id="rId2"/>
-            </p:custDataLst>
-          </p:nvPr>
-        </p:nvSpPr>
-        <p:spPr>
-          <a:xfrm>
-            <a:off x="10844848" y="174920"/>
-            <a:ext cx="1299568" cy="503984"/>
-          </a:xfrm>
-          <a:prstGeom prst="rect">
-            <a:avLst/>
-          </a:prstGeom>
-          <a:noFill/>
-          <a:ln w="3175">
-            <a:noFill/>
-            <a:prstDash val="dash"/>
-          </a:ln>
-          <a:extLst>
-            <a:ext uri="{909E8E84-426E-40DD-AFC4-6F175D3DCCD1}">
-              <a14:hiddenFill xmlns:a14="http://schemas.microsoft.com/office/drawing/2010/main">
-                <a:solidFill>
-                  <a:schemeClr val="bg2"/>
-                </a:solidFill>
-              </a14:hiddenFill>
-            </a:ext>
-          </a:extLst>
-        </p:spPr>
-        <p:txBody>
-          <a:bodyPr wrap="none" lIns="72000" tIns="36195" rIns="72000" bIns="36195" anchor="t" anchorCtr="0">
-            <a:spAutoFit/>
-          </a:bodyPr>
-          <a:lstStyle>
-            <a:lvl1pPr algn="l" defTabSz="913765" rtl="0" eaLnBrk="1" latinLnBrk="0" hangingPunct="1">
-              <a:lnSpc>
-                <a:spcPct val="90000"/>
-              </a:lnSpc>
-              <a:spcBef>
-                <a:spcPct val="0"/>
-              </a:spcBef>
-              <a:buNone/>
-              <a:defRPr lang="en-US" sz="2745" b="0" kern="1200" cap="none" spc="-49" baseline="0" dirty="0" smtClean="0">
-                <a:ln w="3175">
-                  <a:noFill/>
-                </a:ln>
-                <a:solidFill>
-                  <a:schemeClr val="tx1"/>
-                </a:solidFill>
-                <a:effectLst/>
-                <a:latin typeface="+mj-lt"/>
-                <a:ea typeface="+mn-ea"/>
-                <a:cs typeface="Segoe UI" panose="020B0502040204020203" pitchFamily="34" charset="0"/>
-              </a:defRPr>
-            </a:lvl1pPr>
-          </a:lstStyle>
-          <a:p>
-            <a:pPr marL="0" lvl="0" indent="0" algn="l">
-              <a:lnSpc>
-                <a:spcPct val="100000"/>
-              </a:lnSpc>
-              <a:spcBef>
-                <a:spcPts val="1000"/>
-              </a:spcBef>
-              <a:spcAft>
-                <a:spcPts val="0"/>
-              </a:spcAft>
-              <a:buSzPct val="100000"/>
-              <a:buNone/>
-            </a:pPr>
-            <a:r>
-              <a:rPr altLang="zh-CN" sz="2800" spc="251" dirty="0">
-                <a:ln w="3175">
-                  <a:noFill/>
-                  <a:prstDash val="dash"/>
-                </a:ln>
-                <a:solidFill>
-                  <a:srgbClr val="69B4B4"/>
-                </a:solidFill>
-                <a:uFillTx/>
-                <a:latin typeface="+mn-lt"/>
-                <a:cs typeface="+mn-ea"/>
-                <a:sym typeface="+mn-lt"/>
-              </a:rPr>
-              <a:t>LOGO</a:t>
-            </a:r>
-          </a:p>
-        </p:txBody>
-      </p:sp>
-      <p:sp>
-        <p:nvSpPr>
           <p:cNvPr id="52" name="Text Box 2">
             <a:extLst>
               <a:ext uri="{FF2B5EF4-FFF2-40B4-BE49-F238E27FC236}">
@@ -13721,7 +13628,7 @@
           <p:nvPr/>
         </p:nvPicPr>
         <p:blipFill>
-          <a:blip r:embed="rId4"/>
+          <a:blip r:embed="rId3"/>
           <a:stretch>
             <a:fillRect/>
           </a:stretch>
@@ -14730,99 +14637,6 @@
       </p:grpSp>
       <p:sp>
         <p:nvSpPr>
-          <p:cNvPr id="7" name="Title 6"/>
-          <p:cNvSpPr txBox="1"/>
-          <p:nvPr>
-            <p:custDataLst>
-              <p:tags r:id="rId2"/>
-            </p:custDataLst>
-          </p:nvPr>
-        </p:nvSpPr>
-        <p:spPr>
-          <a:xfrm>
-            <a:off x="10844848" y="174920"/>
-            <a:ext cx="1299568" cy="503984"/>
-          </a:xfrm>
-          <a:prstGeom prst="rect">
-            <a:avLst/>
-          </a:prstGeom>
-          <a:noFill/>
-          <a:ln w="3175">
-            <a:noFill/>
-            <a:prstDash val="dash"/>
-          </a:ln>
-          <a:extLst>
-            <a:ext uri="{909E8E84-426E-40DD-AFC4-6F175D3DCCD1}">
-              <a14:hiddenFill xmlns:a14="http://schemas.microsoft.com/office/drawing/2010/main">
-                <a:solidFill>
-                  <a:schemeClr val="bg2"/>
-                </a:solidFill>
-              </a14:hiddenFill>
-            </a:ext>
-          </a:extLst>
-        </p:spPr>
-        <p:txBody>
-          <a:bodyPr wrap="none" lIns="72000" tIns="36195" rIns="72000" bIns="36195" anchor="t" anchorCtr="0">
-            <a:spAutoFit/>
-          </a:bodyPr>
-          <a:lstStyle>
-            <a:lvl1pPr algn="l" defTabSz="913765" rtl="0" eaLnBrk="1" latinLnBrk="0" hangingPunct="1">
-              <a:lnSpc>
-                <a:spcPct val="90000"/>
-              </a:lnSpc>
-              <a:spcBef>
-                <a:spcPct val="0"/>
-              </a:spcBef>
-              <a:buNone/>
-              <a:defRPr lang="en-US" sz="2745" b="0" kern="1200" cap="none" spc="-49" baseline="0" dirty="0" smtClean="0">
-                <a:ln w="3175">
-                  <a:noFill/>
-                </a:ln>
-                <a:solidFill>
-                  <a:schemeClr val="tx1"/>
-                </a:solidFill>
-                <a:effectLst/>
-                <a:latin typeface="+mj-lt"/>
-                <a:ea typeface="+mn-ea"/>
-                <a:cs typeface="Segoe UI" panose="020B0502040204020203" pitchFamily="34" charset="0"/>
-              </a:defRPr>
-            </a:lvl1pPr>
-          </a:lstStyle>
-          <a:p>
-            <a:pPr marL="0" lvl="0" indent="0" algn="l">
-              <a:lnSpc>
-                <a:spcPct val="100000"/>
-              </a:lnSpc>
-              <a:spcBef>
-                <a:spcPts val="1000"/>
-              </a:spcBef>
-              <a:spcAft>
-                <a:spcPts val="0"/>
-              </a:spcAft>
-              <a:buSzPct val="100000"/>
-              <a:buNone/>
-            </a:pPr>
-            <a:r>
-              <a:rPr altLang="zh-CN" sz="2800" spc="251" dirty="0">
-                <a:ln w="3175">
-                  <a:noFill/>
-                  <a:prstDash val="dash"/>
-                </a:ln>
-                <a:solidFill>
-                  <a:srgbClr val="69B4B4"/>
-                </a:solidFill>
-                <a:uFillTx/>
-                <a:latin typeface="+mn-lt"/>
-                <a:cs typeface="+mn-ea"/>
-                <a:sym typeface="+mn-lt"/>
-              </a:rPr>
-              <a:t>LOGO</a:t>
-            </a:r>
-          </a:p>
-        </p:txBody>
-      </p:sp>
-      <p:sp>
-        <p:nvSpPr>
           <p:cNvPr id="12" name="文本框 11">
             <a:extLst>
               <a:ext uri="{FF2B5EF4-FFF2-40B4-BE49-F238E27FC236}">
@@ -15068,7 +14882,7 @@
           <p:nvPr/>
         </p:nvPicPr>
         <p:blipFill>
-          <a:blip r:embed="rId4"/>
+          <a:blip r:embed="rId3"/>
           <a:stretch>
             <a:fillRect/>
           </a:stretch>
@@ -15498,99 +15312,6 @@
           </p:txBody>
         </p:sp>
       </p:grpSp>
-      <p:sp>
-        <p:nvSpPr>
-          <p:cNvPr id="7" name="Title 6"/>
-          <p:cNvSpPr txBox="1"/>
-          <p:nvPr>
-            <p:custDataLst>
-              <p:tags r:id="rId2"/>
-            </p:custDataLst>
-          </p:nvPr>
-        </p:nvSpPr>
-        <p:spPr>
-          <a:xfrm>
-            <a:off x="10844848" y="174920"/>
-            <a:ext cx="1299568" cy="503984"/>
-          </a:xfrm>
-          <a:prstGeom prst="rect">
-            <a:avLst/>
-          </a:prstGeom>
-          <a:noFill/>
-          <a:ln w="3175">
-            <a:noFill/>
-            <a:prstDash val="dash"/>
-          </a:ln>
-          <a:extLst>
-            <a:ext uri="{909E8E84-426E-40DD-AFC4-6F175D3DCCD1}">
-              <a14:hiddenFill xmlns:a14="http://schemas.microsoft.com/office/drawing/2010/main">
-                <a:solidFill>
-                  <a:schemeClr val="bg2"/>
-                </a:solidFill>
-              </a14:hiddenFill>
-            </a:ext>
-          </a:extLst>
-        </p:spPr>
-        <p:txBody>
-          <a:bodyPr wrap="none" lIns="72000" tIns="36195" rIns="72000" bIns="36195" anchor="t" anchorCtr="0">
-            <a:spAutoFit/>
-          </a:bodyPr>
-          <a:lstStyle>
-            <a:lvl1pPr algn="l" defTabSz="913765" rtl="0" eaLnBrk="1" latinLnBrk="0" hangingPunct="1">
-              <a:lnSpc>
-                <a:spcPct val="90000"/>
-              </a:lnSpc>
-              <a:spcBef>
-                <a:spcPct val="0"/>
-              </a:spcBef>
-              <a:buNone/>
-              <a:defRPr lang="en-US" sz="2745" b="0" kern="1200" cap="none" spc="-49" baseline="0" dirty="0" smtClean="0">
-                <a:ln w="3175">
-                  <a:noFill/>
-                </a:ln>
-                <a:solidFill>
-                  <a:schemeClr val="tx1"/>
-                </a:solidFill>
-                <a:effectLst/>
-                <a:latin typeface="+mj-lt"/>
-                <a:ea typeface="+mn-ea"/>
-                <a:cs typeface="Segoe UI" panose="020B0502040204020203" pitchFamily="34" charset="0"/>
-              </a:defRPr>
-            </a:lvl1pPr>
-          </a:lstStyle>
-          <a:p>
-            <a:pPr marL="0" lvl="0" indent="0" algn="l">
-              <a:lnSpc>
-                <a:spcPct val="100000"/>
-              </a:lnSpc>
-              <a:spcBef>
-                <a:spcPts val="1000"/>
-              </a:spcBef>
-              <a:spcAft>
-                <a:spcPts val="0"/>
-              </a:spcAft>
-              <a:buSzPct val="100000"/>
-              <a:buNone/>
-            </a:pPr>
-            <a:r>
-              <a:rPr altLang="zh-CN" sz="2800" spc="251" dirty="0">
-                <a:ln w="3175">
-                  <a:noFill/>
-                  <a:prstDash val="dash"/>
-                </a:ln>
-                <a:solidFill>
-                  <a:srgbClr val="69B4B4"/>
-                </a:solidFill>
-                <a:uFillTx/>
-                <a:latin typeface="+mn-lt"/>
-                <a:cs typeface="+mn-ea"/>
-                <a:sym typeface="+mn-lt"/>
-              </a:rPr>
-              <a:t>LOGO</a:t>
-            </a:r>
-          </a:p>
-        </p:txBody>
-      </p:sp>
       <p:sp>
         <p:nvSpPr>
           <p:cNvPr id="10" name="文本框 9">
@@ -17560,99 +17281,6 @@
           </p:txBody>
         </p:sp>
       </p:grpSp>
-      <p:sp>
-        <p:nvSpPr>
-          <p:cNvPr id="7" name="Title 6"/>
-          <p:cNvSpPr txBox="1"/>
-          <p:nvPr>
-            <p:custDataLst>
-              <p:tags r:id="rId2"/>
-            </p:custDataLst>
-          </p:nvPr>
-        </p:nvSpPr>
-        <p:spPr>
-          <a:xfrm>
-            <a:off x="10844848" y="174920"/>
-            <a:ext cx="1299568" cy="503984"/>
-          </a:xfrm>
-          <a:prstGeom prst="rect">
-            <a:avLst/>
-          </a:prstGeom>
-          <a:noFill/>
-          <a:ln w="3175">
-            <a:noFill/>
-            <a:prstDash val="dash"/>
-          </a:ln>
-          <a:extLst>
-            <a:ext uri="{909E8E84-426E-40DD-AFC4-6F175D3DCCD1}">
-              <a14:hiddenFill xmlns:a14="http://schemas.microsoft.com/office/drawing/2010/main">
-                <a:solidFill>
-                  <a:schemeClr val="bg2"/>
-                </a:solidFill>
-              </a14:hiddenFill>
-            </a:ext>
-          </a:extLst>
-        </p:spPr>
-        <p:txBody>
-          <a:bodyPr wrap="none" lIns="72000" tIns="36195" rIns="72000" bIns="36195" anchor="t" anchorCtr="0">
-            <a:spAutoFit/>
-          </a:bodyPr>
-          <a:lstStyle>
-            <a:lvl1pPr algn="l" defTabSz="913765" rtl="0" eaLnBrk="1" latinLnBrk="0" hangingPunct="1">
-              <a:lnSpc>
-                <a:spcPct val="90000"/>
-              </a:lnSpc>
-              <a:spcBef>
-                <a:spcPct val="0"/>
-              </a:spcBef>
-              <a:buNone/>
-              <a:defRPr lang="en-US" sz="2745" b="0" kern="1200" cap="none" spc="-49" baseline="0" dirty="0" smtClean="0">
-                <a:ln w="3175">
-                  <a:noFill/>
-                </a:ln>
-                <a:solidFill>
-                  <a:schemeClr val="tx1"/>
-                </a:solidFill>
-                <a:effectLst/>
-                <a:latin typeface="+mj-lt"/>
-                <a:ea typeface="+mn-ea"/>
-                <a:cs typeface="Segoe UI" panose="020B0502040204020203" pitchFamily="34" charset="0"/>
-              </a:defRPr>
-            </a:lvl1pPr>
-          </a:lstStyle>
-          <a:p>
-            <a:pPr marL="0" lvl="0" indent="0" algn="l">
-              <a:lnSpc>
-                <a:spcPct val="100000"/>
-              </a:lnSpc>
-              <a:spcBef>
-                <a:spcPts val="1000"/>
-              </a:spcBef>
-              <a:spcAft>
-                <a:spcPts val="0"/>
-              </a:spcAft>
-              <a:buSzPct val="100000"/>
-              <a:buNone/>
-            </a:pPr>
-            <a:r>
-              <a:rPr altLang="zh-CN" sz="2800" spc="251" dirty="0">
-                <a:ln w="3175">
-                  <a:noFill/>
-                  <a:prstDash val="dash"/>
-                </a:ln>
-                <a:solidFill>
-                  <a:srgbClr val="69B4B4"/>
-                </a:solidFill>
-                <a:uFillTx/>
-                <a:latin typeface="+mn-lt"/>
-                <a:cs typeface="+mn-ea"/>
-                <a:sym typeface="+mn-lt"/>
-              </a:rPr>
-              <a:t>LOGO</a:t>
-            </a:r>
-          </a:p>
-        </p:txBody>
-      </p:sp>
       <p:grpSp>
         <p:nvGrpSpPr>
           <p:cNvPr id="28" name="组合 20">
@@ -18784,7 +18412,7 @@
           <p:nvPr/>
         </p:nvPicPr>
         <p:blipFill>
-          <a:blip r:embed="rId5"/>
+          <a:blip r:embed="rId4"/>
           <a:stretch>
             <a:fillRect/>
           </a:stretch>
@@ -19214,99 +18842,6 @@
           </p:txBody>
         </p:sp>
       </p:grpSp>
-      <p:sp>
-        <p:nvSpPr>
-          <p:cNvPr id="7" name="Title 6"/>
-          <p:cNvSpPr txBox="1"/>
-          <p:nvPr>
-            <p:custDataLst>
-              <p:tags r:id="rId2"/>
-            </p:custDataLst>
-          </p:nvPr>
-        </p:nvSpPr>
-        <p:spPr>
-          <a:xfrm>
-            <a:off x="10844848" y="174920"/>
-            <a:ext cx="1299568" cy="503984"/>
-          </a:xfrm>
-          <a:prstGeom prst="rect">
-            <a:avLst/>
-          </a:prstGeom>
-          <a:noFill/>
-          <a:ln w="3175">
-            <a:noFill/>
-            <a:prstDash val="dash"/>
-          </a:ln>
-          <a:extLst>
-            <a:ext uri="{909E8E84-426E-40DD-AFC4-6F175D3DCCD1}">
-              <a14:hiddenFill xmlns:a14="http://schemas.microsoft.com/office/drawing/2010/main">
-                <a:solidFill>
-                  <a:schemeClr val="bg2"/>
-                </a:solidFill>
-              </a14:hiddenFill>
-            </a:ext>
-          </a:extLst>
-        </p:spPr>
-        <p:txBody>
-          <a:bodyPr wrap="none" lIns="72000" tIns="36195" rIns="72000" bIns="36195" anchor="t" anchorCtr="0">
-            <a:spAutoFit/>
-          </a:bodyPr>
-          <a:lstStyle>
-            <a:lvl1pPr algn="l" defTabSz="913765" rtl="0" eaLnBrk="1" latinLnBrk="0" hangingPunct="1">
-              <a:lnSpc>
-                <a:spcPct val="90000"/>
-              </a:lnSpc>
-              <a:spcBef>
-                <a:spcPct val="0"/>
-              </a:spcBef>
-              <a:buNone/>
-              <a:defRPr lang="en-US" sz="2745" b="0" kern="1200" cap="none" spc="-49" baseline="0" dirty="0" smtClean="0">
-                <a:ln w="3175">
-                  <a:noFill/>
-                </a:ln>
-                <a:solidFill>
-                  <a:schemeClr val="tx1"/>
-                </a:solidFill>
-                <a:effectLst/>
-                <a:latin typeface="+mj-lt"/>
-                <a:ea typeface="+mn-ea"/>
-                <a:cs typeface="Segoe UI" panose="020B0502040204020203" pitchFamily="34" charset="0"/>
-              </a:defRPr>
-            </a:lvl1pPr>
-          </a:lstStyle>
-          <a:p>
-            <a:pPr marL="0" lvl="0" indent="0" algn="l">
-              <a:lnSpc>
-                <a:spcPct val="100000"/>
-              </a:lnSpc>
-              <a:spcBef>
-                <a:spcPts val="1000"/>
-              </a:spcBef>
-              <a:spcAft>
-                <a:spcPts val="0"/>
-              </a:spcAft>
-              <a:buSzPct val="100000"/>
-              <a:buNone/>
-            </a:pPr>
-            <a:r>
-              <a:rPr altLang="zh-CN" sz="2800" spc="251" dirty="0">
-                <a:ln w="3175">
-                  <a:noFill/>
-                  <a:prstDash val="dash"/>
-                </a:ln>
-                <a:solidFill>
-                  <a:srgbClr val="69B4B4"/>
-                </a:solidFill>
-                <a:uFillTx/>
-                <a:latin typeface="+mn-lt"/>
-                <a:cs typeface="+mn-ea"/>
-                <a:sym typeface="+mn-lt"/>
-              </a:rPr>
-              <a:t>LOGO</a:t>
-            </a:r>
-          </a:p>
-        </p:txBody>
-      </p:sp>
       <p:pic>
         <p:nvPicPr>
           <p:cNvPr id="28" name="图片 1">
@@ -19322,7 +18857,7 @@
           <p:nvPr/>
         </p:nvPicPr>
         <p:blipFill>
-          <a:blip r:embed="rId4" cstate="print">
+          <a:blip r:embed="rId3" cstate="print">
             <a:extLst>
               <a:ext uri="{28A0092B-C50C-407E-A947-70E740481C1C}">
                 <a14:useLocalDpi xmlns:a14="http://schemas.microsoft.com/office/drawing/2010/main" val="0"/>
@@ -19966,99 +19501,6 @@
           </p:txBody>
         </p:sp>
       </p:grpSp>
-      <p:sp>
-        <p:nvSpPr>
-          <p:cNvPr id="7" name="Title 6"/>
-          <p:cNvSpPr txBox="1"/>
-          <p:nvPr>
-            <p:custDataLst>
-              <p:tags r:id="rId2"/>
-            </p:custDataLst>
-          </p:nvPr>
-        </p:nvSpPr>
-        <p:spPr>
-          <a:xfrm>
-            <a:off x="10844848" y="174920"/>
-            <a:ext cx="1299568" cy="503984"/>
-          </a:xfrm>
-          <a:prstGeom prst="rect">
-            <a:avLst/>
-          </a:prstGeom>
-          <a:noFill/>
-          <a:ln w="3175">
-            <a:noFill/>
-            <a:prstDash val="dash"/>
-          </a:ln>
-          <a:extLst>
-            <a:ext uri="{909E8E84-426E-40DD-AFC4-6F175D3DCCD1}">
-              <a14:hiddenFill xmlns:a14="http://schemas.microsoft.com/office/drawing/2010/main">
-                <a:solidFill>
-                  <a:schemeClr val="bg2"/>
-                </a:solidFill>
-              </a14:hiddenFill>
-            </a:ext>
-          </a:extLst>
-        </p:spPr>
-        <p:txBody>
-          <a:bodyPr wrap="none" lIns="72000" tIns="36195" rIns="72000" bIns="36195" anchor="t" anchorCtr="0">
-            <a:spAutoFit/>
-          </a:bodyPr>
-          <a:lstStyle>
-            <a:lvl1pPr algn="l" defTabSz="913765" rtl="0" eaLnBrk="1" latinLnBrk="0" hangingPunct="1">
-              <a:lnSpc>
-                <a:spcPct val="90000"/>
-              </a:lnSpc>
-              <a:spcBef>
-                <a:spcPct val="0"/>
-              </a:spcBef>
-              <a:buNone/>
-              <a:defRPr lang="en-US" sz="2745" b="0" kern="1200" cap="none" spc="-49" baseline="0" dirty="0" smtClean="0">
-                <a:ln w="3175">
-                  <a:noFill/>
-                </a:ln>
-                <a:solidFill>
-                  <a:schemeClr val="tx1"/>
-                </a:solidFill>
-                <a:effectLst/>
-                <a:latin typeface="+mj-lt"/>
-                <a:ea typeface="+mn-ea"/>
-                <a:cs typeface="Segoe UI" panose="020B0502040204020203" pitchFamily="34" charset="0"/>
-              </a:defRPr>
-            </a:lvl1pPr>
-          </a:lstStyle>
-          <a:p>
-            <a:pPr marL="0" lvl="0" indent="0" algn="l">
-              <a:lnSpc>
-                <a:spcPct val="100000"/>
-              </a:lnSpc>
-              <a:spcBef>
-                <a:spcPts val="1000"/>
-              </a:spcBef>
-              <a:spcAft>
-                <a:spcPts val="0"/>
-              </a:spcAft>
-              <a:buSzPct val="100000"/>
-              <a:buNone/>
-            </a:pPr>
-            <a:r>
-              <a:rPr altLang="zh-CN" sz="2800" spc="251" dirty="0">
-                <a:ln w="3175">
-                  <a:noFill/>
-                  <a:prstDash val="dash"/>
-                </a:ln>
-                <a:solidFill>
-                  <a:srgbClr val="69B4B4"/>
-                </a:solidFill>
-                <a:uFillTx/>
-                <a:latin typeface="+mn-lt"/>
-                <a:cs typeface="+mn-ea"/>
-                <a:sym typeface="+mn-lt"/>
-              </a:rPr>
-              <a:t>LOGO</a:t>
-            </a:r>
-          </a:p>
-        </p:txBody>
-      </p:sp>
       <p:sp>
         <p:nvSpPr>
           <p:cNvPr id="41" name="文本框 5">
@@ -21448,99 +20890,6 @@
       </p:grpSp>
       <p:sp>
         <p:nvSpPr>
-          <p:cNvPr id="7" name="Title 6"/>
-          <p:cNvSpPr txBox="1"/>
-          <p:nvPr>
-            <p:custDataLst>
-              <p:tags r:id="rId2"/>
-            </p:custDataLst>
-          </p:nvPr>
-        </p:nvSpPr>
-        <p:spPr>
-          <a:xfrm>
-            <a:off x="10844848" y="174920"/>
-            <a:ext cx="1299568" cy="503984"/>
-          </a:xfrm>
-          <a:prstGeom prst="rect">
-            <a:avLst/>
-          </a:prstGeom>
-          <a:noFill/>
-          <a:ln w="3175">
-            <a:noFill/>
-            <a:prstDash val="dash"/>
-          </a:ln>
-          <a:extLst>
-            <a:ext uri="{909E8E84-426E-40DD-AFC4-6F175D3DCCD1}">
-              <a14:hiddenFill xmlns:a14="http://schemas.microsoft.com/office/drawing/2010/main">
-                <a:solidFill>
-                  <a:schemeClr val="bg2"/>
-                </a:solidFill>
-              </a14:hiddenFill>
-            </a:ext>
-          </a:extLst>
-        </p:spPr>
-        <p:txBody>
-          <a:bodyPr wrap="none" lIns="72000" tIns="36195" rIns="72000" bIns="36195" anchor="t" anchorCtr="0">
-            <a:spAutoFit/>
-          </a:bodyPr>
-          <a:lstStyle>
-            <a:lvl1pPr algn="l" defTabSz="913765" rtl="0" eaLnBrk="1" latinLnBrk="0" hangingPunct="1">
-              <a:lnSpc>
-                <a:spcPct val="90000"/>
-              </a:lnSpc>
-              <a:spcBef>
-                <a:spcPct val="0"/>
-              </a:spcBef>
-              <a:buNone/>
-              <a:defRPr lang="en-US" sz="2745" b="0" kern="1200" cap="none" spc="-49" baseline="0" dirty="0" smtClean="0">
-                <a:ln w="3175">
-                  <a:noFill/>
-                </a:ln>
-                <a:solidFill>
-                  <a:schemeClr val="tx1"/>
-                </a:solidFill>
-                <a:effectLst/>
-                <a:latin typeface="+mj-lt"/>
-                <a:ea typeface="+mn-ea"/>
-                <a:cs typeface="Segoe UI" panose="020B0502040204020203" pitchFamily="34" charset="0"/>
-              </a:defRPr>
-            </a:lvl1pPr>
-          </a:lstStyle>
-          <a:p>
-            <a:pPr marL="0" lvl="0" indent="0" algn="l">
-              <a:lnSpc>
-                <a:spcPct val="100000"/>
-              </a:lnSpc>
-              <a:spcBef>
-                <a:spcPts val="1000"/>
-              </a:spcBef>
-              <a:spcAft>
-                <a:spcPts val="0"/>
-              </a:spcAft>
-              <a:buSzPct val="100000"/>
-              <a:buNone/>
-            </a:pPr>
-            <a:r>
-              <a:rPr altLang="zh-CN" sz="2800" spc="251" dirty="0">
-                <a:ln w="3175">
-                  <a:noFill/>
-                  <a:prstDash val="dash"/>
-                </a:ln>
-                <a:solidFill>
-                  <a:srgbClr val="69B4B4"/>
-                </a:solidFill>
-                <a:uFillTx/>
-                <a:latin typeface="+mn-lt"/>
-                <a:cs typeface="+mn-ea"/>
-                <a:sym typeface="+mn-lt"/>
-              </a:rPr>
-              <a:t>LOGO</a:t>
-            </a:r>
-          </a:p>
-        </p:txBody>
-      </p:sp>
-      <p:sp>
-        <p:nvSpPr>
           <p:cNvPr id="16" name="文本框 15">
             <a:extLst>
               <a:ext uri="{FF2B5EF4-FFF2-40B4-BE49-F238E27FC236}">
@@ -22273,99 +21622,6 @@
           </p:txBody>
         </p:sp>
       </p:grpSp>
-      <p:sp>
-        <p:nvSpPr>
-          <p:cNvPr id="7" name="Title 6"/>
-          <p:cNvSpPr txBox="1"/>
-          <p:nvPr>
-            <p:custDataLst>
-              <p:tags r:id="rId2"/>
-            </p:custDataLst>
-          </p:nvPr>
-        </p:nvSpPr>
-        <p:spPr>
-          <a:xfrm>
-            <a:off x="10844848" y="174920"/>
-            <a:ext cx="1299568" cy="503984"/>
-          </a:xfrm>
-          <a:prstGeom prst="rect">
-            <a:avLst/>
-          </a:prstGeom>
-          <a:noFill/>
-          <a:ln w="3175">
-            <a:noFill/>
-            <a:prstDash val="dash"/>
-          </a:ln>
-          <a:extLst>
-            <a:ext uri="{909E8E84-426E-40DD-AFC4-6F175D3DCCD1}">
-              <a14:hiddenFill xmlns:a14="http://schemas.microsoft.com/office/drawing/2010/main">
-                <a:solidFill>
-                  <a:schemeClr val="bg2"/>
-                </a:solidFill>
-              </a14:hiddenFill>
-            </a:ext>
-          </a:extLst>
-        </p:spPr>
-        <p:txBody>
-          <a:bodyPr wrap="none" lIns="72000" tIns="36195" rIns="72000" bIns="36195" anchor="t" anchorCtr="0">
-            <a:spAutoFit/>
-          </a:bodyPr>
-          <a:lstStyle>
-            <a:lvl1pPr algn="l" defTabSz="913765" rtl="0" eaLnBrk="1" latinLnBrk="0" hangingPunct="1">
-              <a:lnSpc>
-                <a:spcPct val="90000"/>
-              </a:lnSpc>
-              <a:spcBef>
-                <a:spcPct val="0"/>
-              </a:spcBef>
-              <a:buNone/>
-              <a:defRPr lang="en-US" sz="2745" b="0" kern="1200" cap="none" spc="-49" baseline="0" dirty="0" smtClean="0">
-                <a:ln w="3175">
-                  <a:noFill/>
-                </a:ln>
-                <a:solidFill>
-                  <a:schemeClr val="tx1"/>
-                </a:solidFill>
-                <a:effectLst/>
-                <a:latin typeface="+mj-lt"/>
-                <a:ea typeface="+mn-ea"/>
-                <a:cs typeface="Segoe UI" panose="020B0502040204020203" pitchFamily="34" charset="0"/>
-              </a:defRPr>
-            </a:lvl1pPr>
-          </a:lstStyle>
-          <a:p>
-            <a:pPr marL="0" lvl="0" indent="0" algn="l">
-              <a:lnSpc>
-                <a:spcPct val="100000"/>
-              </a:lnSpc>
-              <a:spcBef>
-                <a:spcPts val="1000"/>
-              </a:spcBef>
-              <a:spcAft>
-                <a:spcPts val="0"/>
-              </a:spcAft>
-              <a:buSzPct val="100000"/>
-              <a:buNone/>
-            </a:pPr>
-            <a:r>
-              <a:rPr altLang="zh-CN" sz="2800" spc="251" dirty="0">
-                <a:ln w="3175">
-                  <a:noFill/>
-                  <a:prstDash val="dash"/>
-                </a:ln>
-                <a:solidFill>
-                  <a:srgbClr val="69B4B4"/>
-                </a:solidFill>
-                <a:uFillTx/>
-                <a:latin typeface="+mn-lt"/>
-                <a:cs typeface="+mn-ea"/>
-                <a:sym typeface="+mn-lt"/>
-              </a:rPr>
-              <a:t>LOGO</a:t>
-            </a:r>
-          </a:p>
-        </p:txBody>
-      </p:sp>
       <p:sp>
         <p:nvSpPr>
           <p:cNvPr id="9" name="矩形 8">
@@ -26245,99 +25501,6 @@
       </p:grpSp>
       <p:sp>
         <p:nvSpPr>
-          <p:cNvPr id="7" name="Title 6"/>
-          <p:cNvSpPr txBox="1"/>
-          <p:nvPr>
-            <p:custDataLst>
-              <p:tags r:id="rId2"/>
-            </p:custDataLst>
-          </p:nvPr>
-        </p:nvSpPr>
-        <p:spPr>
-          <a:xfrm>
-            <a:off x="10844848" y="174920"/>
-            <a:ext cx="1299568" cy="503984"/>
-          </a:xfrm>
-          <a:prstGeom prst="rect">
-            <a:avLst/>
-          </a:prstGeom>
-          <a:noFill/>
-          <a:ln w="3175">
-            <a:noFill/>
-            <a:prstDash val="dash"/>
-          </a:ln>
-          <a:extLst>
-            <a:ext uri="{909E8E84-426E-40DD-AFC4-6F175D3DCCD1}">
-              <a14:hiddenFill xmlns:a14="http://schemas.microsoft.com/office/drawing/2010/main">
-                <a:solidFill>
-                  <a:schemeClr val="bg2"/>
-                </a:solidFill>
-              </a14:hiddenFill>
-            </a:ext>
-          </a:extLst>
-        </p:spPr>
-        <p:txBody>
-          <a:bodyPr wrap="none" lIns="72000" tIns="36195" rIns="72000" bIns="36195" anchor="t" anchorCtr="0">
-            <a:spAutoFit/>
-          </a:bodyPr>
-          <a:lstStyle>
-            <a:lvl1pPr algn="l" defTabSz="913765" rtl="0" eaLnBrk="1" latinLnBrk="0" hangingPunct="1">
-              <a:lnSpc>
-                <a:spcPct val="90000"/>
-              </a:lnSpc>
-              <a:spcBef>
-                <a:spcPct val="0"/>
-              </a:spcBef>
-              <a:buNone/>
-              <a:defRPr lang="en-US" sz="2745" b="0" kern="1200" cap="none" spc="-49" baseline="0" dirty="0" smtClean="0">
-                <a:ln w="3175">
-                  <a:noFill/>
-                </a:ln>
-                <a:solidFill>
-                  <a:schemeClr val="tx1"/>
-                </a:solidFill>
-                <a:effectLst/>
-                <a:latin typeface="+mj-lt"/>
-                <a:ea typeface="+mn-ea"/>
-                <a:cs typeface="Segoe UI" panose="020B0502040204020203" pitchFamily="34" charset="0"/>
-              </a:defRPr>
-            </a:lvl1pPr>
-          </a:lstStyle>
-          <a:p>
-            <a:pPr marL="0" lvl="0" indent="0" algn="l">
-              <a:lnSpc>
-                <a:spcPct val="100000"/>
-              </a:lnSpc>
-              <a:spcBef>
-                <a:spcPts val="1000"/>
-              </a:spcBef>
-              <a:spcAft>
-                <a:spcPts val="0"/>
-              </a:spcAft>
-              <a:buSzPct val="100000"/>
-              <a:buNone/>
-            </a:pPr>
-            <a:r>
-              <a:rPr altLang="zh-CN" sz="2800" spc="251" dirty="0">
-                <a:ln w="3175">
-                  <a:noFill/>
-                  <a:prstDash val="dash"/>
-                </a:ln>
-                <a:solidFill>
-                  <a:srgbClr val="69B4B4"/>
-                </a:solidFill>
-                <a:uFillTx/>
-                <a:latin typeface="+mn-lt"/>
-                <a:cs typeface="+mn-ea"/>
-                <a:sym typeface="+mn-lt"/>
-              </a:rPr>
-              <a:t>LOGO</a:t>
-            </a:r>
-          </a:p>
-        </p:txBody>
-      </p:sp>
-      <p:sp>
-        <p:nvSpPr>
           <p:cNvPr id="38" name="文本框 37">
             <a:extLst>
               <a:ext uri="{FF2B5EF4-FFF2-40B4-BE49-F238E27FC236}">
@@ -26524,7 +25687,7 @@
           <p:nvPr/>
         </p:nvPicPr>
         <p:blipFill>
-          <a:blip r:embed="rId5"/>
+          <a:blip r:embed="rId4"/>
           <a:stretch>
             <a:fillRect/>
           </a:stretch>
@@ -26956,99 +26119,6 @@
       </p:grpSp>
       <p:sp>
         <p:nvSpPr>
-          <p:cNvPr id="7" name="Title 6"/>
-          <p:cNvSpPr txBox="1"/>
-          <p:nvPr>
-            <p:custDataLst>
-              <p:tags r:id="rId2"/>
-            </p:custDataLst>
-          </p:nvPr>
-        </p:nvSpPr>
-        <p:spPr>
-          <a:xfrm>
-            <a:off x="10844848" y="174920"/>
-            <a:ext cx="1299568" cy="503984"/>
-          </a:xfrm>
-          <a:prstGeom prst="rect">
-            <a:avLst/>
-          </a:prstGeom>
-          <a:noFill/>
-          <a:ln w="3175">
-            <a:noFill/>
-            <a:prstDash val="dash"/>
-          </a:ln>
-          <a:extLst>
-            <a:ext uri="{909E8E84-426E-40DD-AFC4-6F175D3DCCD1}">
-              <a14:hiddenFill xmlns:a14="http://schemas.microsoft.com/office/drawing/2010/main">
-                <a:solidFill>
-                  <a:schemeClr val="bg2"/>
-                </a:solidFill>
-              </a14:hiddenFill>
-            </a:ext>
-          </a:extLst>
-        </p:spPr>
-        <p:txBody>
-          <a:bodyPr wrap="none" lIns="72000" tIns="36195" rIns="72000" bIns="36195" anchor="t" anchorCtr="0">
-            <a:spAutoFit/>
-          </a:bodyPr>
-          <a:lstStyle>
-            <a:lvl1pPr algn="l" defTabSz="913765" rtl="0" eaLnBrk="1" latinLnBrk="0" hangingPunct="1">
-              <a:lnSpc>
-                <a:spcPct val="90000"/>
-              </a:lnSpc>
-              <a:spcBef>
-                <a:spcPct val="0"/>
-              </a:spcBef>
-              <a:buNone/>
-              <a:defRPr lang="en-US" sz="2745" b="0" kern="1200" cap="none" spc="-49" baseline="0" dirty="0" smtClean="0">
-                <a:ln w="3175">
-                  <a:noFill/>
-                </a:ln>
-                <a:solidFill>
-                  <a:schemeClr val="tx1"/>
-                </a:solidFill>
-                <a:effectLst/>
-                <a:latin typeface="+mj-lt"/>
-                <a:ea typeface="+mn-ea"/>
-                <a:cs typeface="Segoe UI" panose="020B0502040204020203" pitchFamily="34" charset="0"/>
-              </a:defRPr>
-            </a:lvl1pPr>
-          </a:lstStyle>
-          <a:p>
-            <a:pPr marL="0" lvl="0" indent="0" algn="l">
-              <a:lnSpc>
-                <a:spcPct val="100000"/>
-              </a:lnSpc>
-              <a:spcBef>
-                <a:spcPts val="1000"/>
-              </a:spcBef>
-              <a:spcAft>
-                <a:spcPts val="0"/>
-              </a:spcAft>
-              <a:buSzPct val="100000"/>
-              <a:buNone/>
-            </a:pPr>
-            <a:r>
-              <a:rPr altLang="zh-CN" sz="2800" spc="251" dirty="0">
-                <a:ln w="3175">
-                  <a:noFill/>
-                  <a:prstDash val="dash"/>
-                </a:ln>
-                <a:solidFill>
-                  <a:srgbClr val="69B4B4"/>
-                </a:solidFill>
-                <a:uFillTx/>
-                <a:latin typeface="+mn-lt"/>
-                <a:cs typeface="+mn-ea"/>
-                <a:sym typeface="+mn-lt"/>
-              </a:rPr>
-              <a:t>LOGO</a:t>
-            </a:r>
-          </a:p>
-        </p:txBody>
-      </p:sp>
-      <p:sp>
-        <p:nvSpPr>
           <p:cNvPr id="10" name="内容占位符 4">
             <a:extLst>
               <a:ext uri="{FF2B5EF4-FFF2-40B4-BE49-F238E27FC236}">
@@ -28871,99 +27941,6 @@
           </p:txBody>
         </p:sp>
       </p:grpSp>
-      <p:sp>
-        <p:nvSpPr>
-          <p:cNvPr id="7" name="Title 6"/>
-          <p:cNvSpPr txBox="1"/>
-          <p:nvPr>
-            <p:custDataLst>
-              <p:tags r:id="rId2"/>
-            </p:custDataLst>
-          </p:nvPr>
-        </p:nvSpPr>
-        <p:spPr>
-          <a:xfrm>
-            <a:off x="10844848" y="174920"/>
-            <a:ext cx="1299568" cy="503984"/>
-          </a:xfrm>
-          <a:prstGeom prst="rect">
-            <a:avLst/>
-          </a:prstGeom>
-          <a:noFill/>
-          <a:ln w="3175">
-            <a:noFill/>
-            <a:prstDash val="dash"/>
-          </a:ln>
-          <a:extLst>
-            <a:ext uri="{909E8E84-426E-40DD-AFC4-6F175D3DCCD1}">
-              <a14:hiddenFill xmlns:a14="http://schemas.microsoft.com/office/drawing/2010/main">
-                <a:solidFill>
-                  <a:schemeClr val="bg2"/>
-                </a:solidFill>
-              </a14:hiddenFill>
-            </a:ext>
-          </a:extLst>
-        </p:spPr>
-        <p:txBody>
-          <a:bodyPr wrap="none" lIns="72000" tIns="36195" rIns="72000" bIns="36195" anchor="t" anchorCtr="0">
-            <a:spAutoFit/>
-          </a:bodyPr>
-          <a:lstStyle>
-            <a:lvl1pPr algn="l" defTabSz="913765" rtl="0" eaLnBrk="1" latinLnBrk="0" hangingPunct="1">
-              <a:lnSpc>
-                <a:spcPct val="90000"/>
-              </a:lnSpc>
-              <a:spcBef>
-                <a:spcPct val="0"/>
-              </a:spcBef>
-              <a:buNone/>
-              <a:defRPr lang="en-US" sz="2745" b="0" kern="1200" cap="none" spc="-49" baseline="0" dirty="0" smtClean="0">
-                <a:ln w="3175">
-                  <a:noFill/>
-                </a:ln>
-                <a:solidFill>
-                  <a:schemeClr val="tx1"/>
-                </a:solidFill>
-                <a:effectLst/>
-                <a:latin typeface="+mj-lt"/>
-                <a:ea typeface="+mn-ea"/>
-                <a:cs typeface="Segoe UI" panose="020B0502040204020203" pitchFamily="34" charset="0"/>
-              </a:defRPr>
-            </a:lvl1pPr>
-          </a:lstStyle>
-          <a:p>
-            <a:pPr marL="0" lvl="0" indent="0" algn="l">
-              <a:lnSpc>
-                <a:spcPct val="100000"/>
-              </a:lnSpc>
-              <a:spcBef>
-                <a:spcPts val="1000"/>
-              </a:spcBef>
-              <a:spcAft>
-                <a:spcPts val="0"/>
-              </a:spcAft>
-              <a:buSzPct val="100000"/>
-              <a:buNone/>
-            </a:pPr>
-            <a:r>
-              <a:rPr altLang="zh-CN" sz="2800" spc="251" dirty="0">
-                <a:ln w="3175">
-                  <a:noFill/>
-                  <a:prstDash val="dash"/>
-                </a:ln>
-                <a:solidFill>
-                  <a:srgbClr val="69B4B4"/>
-                </a:solidFill>
-                <a:uFillTx/>
-                <a:latin typeface="+mn-lt"/>
-                <a:cs typeface="+mn-ea"/>
-                <a:sym typeface="+mn-lt"/>
-              </a:rPr>
-              <a:t>LOGO</a:t>
-            </a:r>
-          </a:p>
-        </p:txBody>
-      </p:sp>
       <p:sp>
         <p:nvSpPr>
           <p:cNvPr id="14" name="矩形 13">
@@ -30142,99 +29119,6 @@
       </p:grpSp>
       <p:sp>
         <p:nvSpPr>
-          <p:cNvPr id="7" name="Title 6"/>
-          <p:cNvSpPr txBox="1"/>
-          <p:nvPr>
-            <p:custDataLst>
-              <p:tags r:id="rId2"/>
-            </p:custDataLst>
-          </p:nvPr>
-        </p:nvSpPr>
-        <p:spPr>
-          <a:xfrm>
-            <a:off x="10844848" y="174920"/>
-            <a:ext cx="1299568" cy="503984"/>
-          </a:xfrm>
-          <a:prstGeom prst="rect">
-            <a:avLst/>
-          </a:prstGeom>
-          <a:noFill/>
-          <a:ln w="3175">
-            <a:noFill/>
-            <a:prstDash val="dash"/>
-          </a:ln>
-          <a:extLst>
-            <a:ext uri="{909E8E84-426E-40DD-AFC4-6F175D3DCCD1}">
-              <a14:hiddenFill xmlns:a14="http://schemas.microsoft.com/office/drawing/2010/main">
-                <a:solidFill>
-                  <a:schemeClr val="bg2"/>
-                </a:solidFill>
-              </a14:hiddenFill>
-            </a:ext>
-          </a:extLst>
-        </p:spPr>
-        <p:txBody>
-          <a:bodyPr wrap="none" lIns="72000" tIns="36195" rIns="72000" bIns="36195" anchor="t" anchorCtr="0">
-            <a:spAutoFit/>
-          </a:bodyPr>
-          <a:lstStyle>
-            <a:lvl1pPr algn="l" defTabSz="913765" rtl="0" eaLnBrk="1" latinLnBrk="0" hangingPunct="1">
-              <a:lnSpc>
-                <a:spcPct val="90000"/>
-              </a:lnSpc>
-              <a:spcBef>
-                <a:spcPct val="0"/>
-              </a:spcBef>
-              <a:buNone/>
-              <a:defRPr lang="en-US" sz="2745" b="0" kern="1200" cap="none" spc="-49" baseline="0" dirty="0" smtClean="0">
-                <a:ln w="3175">
-                  <a:noFill/>
-                </a:ln>
-                <a:solidFill>
-                  <a:schemeClr val="tx1"/>
-                </a:solidFill>
-                <a:effectLst/>
-                <a:latin typeface="+mj-lt"/>
-                <a:ea typeface="+mn-ea"/>
-                <a:cs typeface="Segoe UI" panose="020B0502040204020203" pitchFamily="34" charset="0"/>
-              </a:defRPr>
-            </a:lvl1pPr>
-          </a:lstStyle>
-          <a:p>
-            <a:pPr marL="0" lvl="0" indent="0" algn="l">
-              <a:lnSpc>
-                <a:spcPct val="100000"/>
-              </a:lnSpc>
-              <a:spcBef>
-                <a:spcPts val="1000"/>
-              </a:spcBef>
-              <a:spcAft>
-                <a:spcPts val="0"/>
-              </a:spcAft>
-              <a:buSzPct val="100000"/>
-              <a:buNone/>
-            </a:pPr>
-            <a:r>
-              <a:rPr altLang="zh-CN" sz="2800" spc="251" dirty="0">
-                <a:ln w="3175">
-                  <a:noFill/>
-                  <a:prstDash val="dash"/>
-                </a:ln>
-                <a:solidFill>
-                  <a:srgbClr val="69B4B4"/>
-                </a:solidFill>
-                <a:uFillTx/>
-                <a:latin typeface="+mn-lt"/>
-                <a:cs typeface="+mn-ea"/>
-                <a:sym typeface="+mn-lt"/>
-              </a:rPr>
-              <a:t>LOGO</a:t>
-            </a:r>
-          </a:p>
-        </p:txBody>
-      </p:sp>
-      <p:sp>
-        <p:nvSpPr>
           <p:cNvPr id="38" name="文本框 2">
             <a:extLst>
               <a:ext uri="{FF2B5EF4-FFF2-40B4-BE49-F238E27FC236}">
@@ -30993,99 +29877,6 @@
           </p:txBody>
         </p:sp>
       </p:grpSp>
-      <p:sp>
-        <p:nvSpPr>
-          <p:cNvPr id="7" name="Title 6"/>
-          <p:cNvSpPr txBox="1"/>
-          <p:nvPr>
-            <p:custDataLst>
-              <p:tags r:id="rId2"/>
-            </p:custDataLst>
-          </p:nvPr>
-        </p:nvSpPr>
-        <p:spPr>
-          <a:xfrm>
-            <a:off x="10844848" y="174920"/>
-            <a:ext cx="1299568" cy="503984"/>
-          </a:xfrm>
-          <a:prstGeom prst="rect">
-            <a:avLst/>
-          </a:prstGeom>
-          <a:noFill/>
-          <a:ln w="3175">
-            <a:noFill/>
-            <a:prstDash val="dash"/>
-          </a:ln>
-          <a:extLst>
-            <a:ext uri="{909E8E84-426E-40DD-AFC4-6F175D3DCCD1}">
-              <a14:hiddenFill xmlns:a14="http://schemas.microsoft.com/office/drawing/2010/main">
-                <a:solidFill>
-                  <a:schemeClr val="bg2"/>
-                </a:solidFill>
-              </a14:hiddenFill>
-            </a:ext>
-          </a:extLst>
-        </p:spPr>
-        <p:txBody>
-          <a:bodyPr wrap="none" lIns="72000" tIns="36195" rIns="72000" bIns="36195" anchor="t" anchorCtr="0">
-            <a:spAutoFit/>
-          </a:bodyPr>
-          <a:lstStyle>
-            <a:lvl1pPr algn="l" defTabSz="913765" rtl="0" eaLnBrk="1" latinLnBrk="0" hangingPunct="1">
-              <a:lnSpc>
-                <a:spcPct val="90000"/>
-              </a:lnSpc>
-              <a:spcBef>
-                <a:spcPct val="0"/>
-              </a:spcBef>
-              <a:buNone/>
-              <a:defRPr lang="en-US" sz="2745" b="0" kern="1200" cap="none" spc="-49" baseline="0" dirty="0" smtClean="0">
-                <a:ln w="3175">
-                  <a:noFill/>
-                </a:ln>
-                <a:solidFill>
-                  <a:schemeClr val="tx1"/>
-                </a:solidFill>
-                <a:effectLst/>
-                <a:latin typeface="+mj-lt"/>
-                <a:ea typeface="+mn-ea"/>
-                <a:cs typeface="Segoe UI" panose="020B0502040204020203" pitchFamily="34" charset="0"/>
-              </a:defRPr>
-            </a:lvl1pPr>
-          </a:lstStyle>
-          <a:p>
-            <a:pPr marL="0" lvl="0" indent="0" algn="l">
-              <a:lnSpc>
-                <a:spcPct val="100000"/>
-              </a:lnSpc>
-              <a:spcBef>
-                <a:spcPts val="1000"/>
-              </a:spcBef>
-              <a:spcAft>
-                <a:spcPts val="0"/>
-              </a:spcAft>
-              <a:buSzPct val="100000"/>
-              <a:buNone/>
-            </a:pPr>
-            <a:r>
-              <a:rPr altLang="zh-CN" sz="2800" spc="251" dirty="0">
-                <a:ln w="3175">
-                  <a:noFill/>
-                  <a:prstDash val="dash"/>
-                </a:ln>
-                <a:solidFill>
-                  <a:srgbClr val="69B4B4"/>
-                </a:solidFill>
-                <a:uFillTx/>
-                <a:latin typeface="+mn-lt"/>
-                <a:cs typeface="+mn-ea"/>
-                <a:sym typeface="+mn-lt"/>
-              </a:rPr>
-              <a:t>LOGO</a:t>
-            </a:r>
-          </a:p>
-        </p:txBody>
-      </p:sp>
       <p:sp>
         <p:nvSpPr>
           <p:cNvPr id="10" name="文本框 9">
@@ -32615,99 +31406,6 @@
           </p:txBody>
         </p:sp>
       </p:grpSp>
-      <p:sp>
-        <p:nvSpPr>
-          <p:cNvPr id="7" name="Title 6"/>
-          <p:cNvSpPr txBox="1"/>
-          <p:nvPr>
-            <p:custDataLst>
-              <p:tags r:id="rId2"/>
-            </p:custDataLst>
-          </p:nvPr>
-        </p:nvSpPr>
-        <p:spPr>
-          <a:xfrm>
-            <a:off x="10844848" y="174920"/>
-            <a:ext cx="1299568" cy="503984"/>
-          </a:xfrm>
-          <a:prstGeom prst="rect">
-            <a:avLst/>
-          </a:prstGeom>
-          <a:noFill/>
-          <a:ln w="3175">
-            <a:noFill/>
-            <a:prstDash val="dash"/>
-          </a:ln>
-          <a:extLst>
-            <a:ext uri="{909E8E84-426E-40DD-AFC4-6F175D3DCCD1}">
-              <a14:hiddenFill xmlns:a14="http://schemas.microsoft.com/office/drawing/2010/main">
-                <a:solidFill>
-                  <a:schemeClr val="bg2"/>
-                </a:solidFill>
-              </a14:hiddenFill>
-            </a:ext>
-          </a:extLst>
-        </p:spPr>
-        <p:txBody>
-          <a:bodyPr wrap="none" lIns="72000" tIns="36195" rIns="72000" bIns="36195" anchor="t" anchorCtr="0">
-            <a:spAutoFit/>
-          </a:bodyPr>
-          <a:lstStyle>
-            <a:lvl1pPr algn="l" defTabSz="913765" rtl="0" eaLnBrk="1" latinLnBrk="0" hangingPunct="1">
-              <a:lnSpc>
-                <a:spcPct val="90000"/>
-              </a:lnSpc>
-              <a:spcBef>
-                <a:spcPct val="0"/>
-              </a:spcBef>
-              <a:buNone/>
-              <a:defRPr lang="en-US" sz="2745" b="0" kern="1200" cap="none" spc="-49" baseline="0" dirty="0" smtClean="0">
-                <a:ln w="3175">
-                  <a:noFill/>
-                </a:ln>
-                <a:solidFill>
-                  <a:schemeClr val="tx1"/>
-                </a:solidFill>
-                <a:effectLst/>
-                <a:latin typeface="+mj-lt"/>
-                <a:ea typeface="+mn-ea"/>
-                <a:cs typeface="Segoe UI" panose="020B0502040204020203" pitchFamily="34" charset="0"/>
-              </a:defRPr>
-            </a:lvl1pPr>
-          </a:lstStyle>
-          <a:p>
-            <a:pPr marL="0" lvl="0" indent="0" algn="l">
-              <a:lnSpc>
-                <a:spcPct val="100000"/>
-              </a:lnSpc>
-              <a:spcBef>
-                <a:spcPts val="1000"/>
-              </a:spcBef>
-              <a:spcAft>
-                <a:spcPts val="0"/>
-              </a:spcAft>
-              <a:buSzPct val="100000"/>
-              <a:buNone/>
-            </a:pPr>
-            <a:r>
-              <a:rPr altLang="zh-CN" sz="2800" spc="251" dirty="0">
-                <a:ln w="3175">
-                  <a:noFill/>
-                  <a:prstDash val="dash"/>
-                </a:ln>
-                <a:solidFill>
-                  <a:srgbClr val="69B4B4"/>
-                </a:solidFill>
-                <a:uFillTx/>
-                <a:latin typeface="+mn-lt"/>
-                <a:cs typeface="+mn-ea"/>
-                <a:sym typeface="+mn-lt"/>
-              </a:rPr>
-              <a:t>LOGO</a:t>
-            </a:r>
-          </a:p>
-        </p:txBody>
-      </p:sp>
       <p:grpSp>
         <p:nvGrpSpPr>
           <p:cNvPr id="38" name="Group 39">
@@ -33340,7 +32038,7 @@
           <p:nvPr/>
         </p:nvPicPr>
         <p:blipFill>
-          <a:blip r:embed="rId5" cstate="print">
+          <a:blip r:embed="rId4" cstate="print">
             <a:extLst>
               <a:ext uri="{28A0092B-C50C-407E-A947-70E740481C1C}">
                 <a14:useLocalDpi xmlns:a14="http://schemas.microsoft.com/office/drawing/2010/main" val="0"/>
@@ -33376,7 +32074,7 @@
           <p:nvPr/>
         </p:nvPicPr>
         <p:blipFill>
-          <a:blip r:embed="rId6" cstate="print">
+          <a:blip r:embed="rId5" cstate="print">
             <a:extLst>
               <a:ext uri="{28A0092B-C50C-407E-A947-70E740481C1C}">
                 <a14:useLocalDpi xmlns:a14="http://schemas.microsoft.com/office/drawing/2010/main" val="0"/>
@@ -33412,7 +32110,7 @@
           <p:nvPr/>
         </p:nvPicPr>
         <p:blipFill>
-          <a:blip r:embed="rId7" cstate="print">
+          <a:blip r:embed="rId6" cstate="print">
             <a:extLst>
               <a:ext uri="{28A0092B-C50C-407E-A947-70E740481C1C}">
                 <a14:useLocalDpi xmlns:a14="http://schemas.microsoft.com/office/drawing/2010/main" val="0"/>
@@ -34725,99 +33423,6 @@
           </p:txBody>
         </p:sp>
       </p:grpSp>
-      <p:sp>
-        <p:nvSpPr>
-          <p:cNvPr id="7" name="Title 6"/>
-          <p:cNvSpPr txBox="1"/>
-          <p:nvPr>
-            <p:custDataLst>
-              <p:tags r:id="rId2"/>
-            </p:custDataLst>
-          </p:nvPr>
-        </p:nvSpPr>
-        <p:spPr>
-          <a:xfrm>
-            <a:off x="10844848" y="174920"/>
-            <a:ext cx="1299568" cy="503984"/>
-          </a:xfrm>
-          <a:prstGeom prst="rect">
-            <a:avLst/>
-          </a:prstGeom>
-          <a:noFill/>
-          <a:ln w="3175">
-            <a:noFill/>
-            <a:prstDash val="dash"/>
-          </a:ln>
-          <a:extLst>
-            <a:ext uri="{909E8E84-426E-40DD-AFC4-6F175D3DCCD1}">
-              <a14:hiddenFill xmlns:a14="http://schemas.microsoft.com/office/drawing/2010/main">
-                <a:solidFill>
-                  <a:schemeClr val="bg2"/>
-                </a:solidFill>
-              </a14:hiddenFill>
-            </a:ext>
-          </a:extLst>
-        </p:spPr>
-        <p:txBody>
-          <a:bodyPr wrap="none" lIns="72000" tIns="36195" rIns="72000" bIns="36195" anchor="t" anchorCtr="0">
-            <a:spAutoFit/>
-          </a:bodyPr>
-          <a:lstStyle>
-            <a:lvl1pPr algn="l" defTabSz="913765" rtl="0" eaLnBrk="1" latinLnBrk="0" hangingPunct="1">
-              <a:lnSpc>
-                <a:spcPct val="90000"/>
-              </a:lnSpc>
-              <a:spcBef>
-                <a:spcPct val="0"/>
-              </a:spcBef>
-              <a:buNone/>
-              <a:defRPr lang="en-US" sz="2745" b="0" kern="1200" cap="none" spc="-49" baseline="0" dirty="0" smtClean="0">
-                <a:ln w="3175">
-                  <a:noFill/>
-                </a:ln>
-                <a:solidFill>
-                  <a:schemeClr val="tx1"/>
-                </a:solidFill>
-                <a:effectLst/>
-                <a:latin typeface="+mj-lt"/>
-                <a:ea typeface="+mn-ea"/>
-                <a:cs typeface="Segoe UI" panose="020B0502040204020203" pitchFamily="34" charset="0"/>
-              </a:defRPr>
-            </a:lvl1pPr>
-          </a:lstStyle>
-          <a:p>
-            <a:pPr marL="0" lvl="0" indent="0" algn="l">
-              <a:lnSpc>
-                <a:spcPct val="100000"/>
-              </a:lnSpc>
-              <a:spcBef>
-                <a:spcPts val="1000"/>
-              </a:spcBef>
-              <a:spcAft>
-                <a:spcPts val="0"/>
-              </a:spcAft>
-              <a:buSzPct val="100000"/>
-              <a:buNone/>
-            </a:pPr>
-            <a:r>
-              <a:rPr altLang="zh-CN" sz="2800" spc="251" dirty="0">
-                <a:ln w="3175">
-                  <a:noFill/>
-                  <a:prstDash val="dash"/>
-                </a:ln>
-                <a:solidFill>
-                  <a:srgbClr val="69B4B4"/>
-                </a:solidFill>
-                <a:uFillTx/>
-                <a:latin typeface="+mn-lt"/>
-                <a:cs typeface="+mn-ea"/>
-                <a:sym typeface="+mn-lt"/>
-              </a:rPr>
-              <a:t>LOGO</a:t>
-            </a:r>
-          </a:p>
-        </p:txBody>
-      </p:sp>
       <p:sp>
         <p:nvSpPr>
           <p:cNvPr id="36" name="文本框 35">
@@ -37665,99 +36270,6 @@
           </p:txBody>
         </p:sp>
       </p:grpSp>
-      <p:sp>
-        <p:nvSpPr>
-          <p:cNvPr id="7" name="Title 6"/>
-          <p:cNvSpPr txBox="1"/>
-          <p:nvPr>
-            <p:custDataLst>
-              <p:tags r:id="rId2"/>
-            </p:custDataLst>
-          </p:nvPr>
-        </p:nvSpPr>
-        <p:spPr>
-          <a:xfrm>
-            <a:off x="10844848" y="174920"/>
-            <a:ext cx="1299568" cy="503984"/>
-          </a:xfrm>
-          <a:prstGeom prst="rect">
-            <a:avLst/>
-          </a:prstGeom>
-          <a:noFill/>
-          <a:ln w="3175">
-            <a:noFill/>
-            <a:prstDash val="dash"/>
-          </a:ln>
-          <a:extLst>
-            <a:ext uri="{909E8E84-426E-40DD-AFC4-6F175D3DCCD1}">
-              <a14:hiddenFill xmlns:a14="http://schemas.microsoft.com/office/drawing/2010/main">
-                <a:solidFill>
-                  <a:schemeClr val="bg2"/>
-                </a:solidFill>
-              </a14:hiddenFill>
-            </a:ext>
-          </a:extLst>
-        </p:spPr>
-        <p:txBody>
-          <a:bodyPr wrap="none" lIns="72000" tIns="36195" rIns="72000" bIns="36195" anchor="t" anchorCtr="0">
-            <a:spAutoFit/>
-          </a:bodyPr>
-          <a:lstStyle>
-            <a:lvl1pPr algn="l" defTabSz="913765" rtl="0" eaLnBrk="1" latinLnBrk="0" hangingPunct="1">
-              <a:lnSpc>
-                <a:spcPct val="90000"/>
-              </a:lnSpc>
-              <a:spcBef>
-                <a:spcPct val="0"/>
-              </a:spcBef>
-              <a:buNone/>
-              <a:defRPr lang="en-US" sz="2745" b="0" kern="1200" cap="none" spc="-49" baseline="0" dirty="0" smtClean="0">
-                <a:ln w="3175">
-                  <a:noFill/>
-                </a:ln>
-                <a:solidFill>
-                  <a:schemeClr val="tx1"/>
-                </a:solidFill>
-                <a:effectLst/>
-                <a:latin typeface="+mj-lt"/>
-                <a:ea typeface="+mn-ea"/>
-                <a:cs typeface="Segoe UI" panose="020B0502040204020203" pitchFamily="34" charset="0"/>
-              </a:defRPr>
-            </a:lvl1pPr>
-          </a:lstStyle>
-          <a:p>
-            <a:pPr marL="0" lvl="0" indent="0" algn="l">
-              <a:lnSpc>
-                <a:spcPct val="100000"/>
-              </a:lnSpc>
-              <a:spcBef>
-                <a:spcPts val="1000"/>
-              </a:spcBef>
-              <a:spcAft>
-                <a:spcPts val="0"/>
-              </a:spcAft>
-              <a:buSzPct val="100000"/>
-              <a:buNone/>
-            </a:pPr>
-            <a:r>
-              <a:rPr altLang="zh-CN" sz="2800" spc="251" dirty="0">
-                <a:ln w="3175">
-                  <a:noFill/>
-                  <a:prstDash val="dash"/>
-                </a:ln>
-                <a:solidFill>
-                  <a:srgbClr val="69B4B4"/>
-                </a:solidFill>
-                <a:uFillTx/>
-                <a:latin typeface="+mn-lt"/>
-                <a:cs typeface="+mn-ea"/>
-                <a:sym typeface="+mn-lt"/>
-              </a:rPr>
-              <a:t>LOGO</a:t>
-            </a:r>
-          </a:p>
-        </p:txBody>
-      </p:sp>
       <p:graphicFrame>
         <p:nvGraphicFramePr>
           <p:cNvPr id="58" name="图表 57">
@@ -37784,7 +36296,7 @@
         </p:xfrm>
         <a:graphic>
           <a:graphicData uri="http://schemas.openxmlformats.org/drawingml/2006/chart">
-            <c:chart xmlns:c="http://schemas.openxmlformats.org/drawingml/2006/chart" xmlns:r="http://schemas.openxmlformats.org/officeDocument/2006/relationships" r:id="rId5"/>
+            <c:chart xmlns:c="http://schemas.openxmlformats.org/drawingml/2006/chart" xmlns:r="http://schemas.openxmlformats.org/officeDocument/2006/relationships" r:id="rId4"/>
           </a:graphicData>
         </a:graphic>
       </p:graphicFrame>
@@ -38640,99 +37152,6 @@
           </p:txBody>
         </p:sp>
       </p:grpSp>
-      <p:sp>
-        <p:nvSpPr>
-          <p:cNvPr id="7" name="Title 6"/>
-          <p:cNvSpPr txBox="1"/>
-          <p:nvPr>
-            <p:custDataLst>
-              <p:tags r:id="rId2"/>
-            </p:custDataLst>
-          </p:nvPr>
-        </p:nvSpPr>
-        <p:spPr>
-          <a:xfrm>
-            <a:off x="10844848" y="174920"/>
-            <a:ext cx="1299568" cy="503984"/>
-          </a:xfrm>
-          <a:prstGeom prst="rect">
-            <a:avLst/>
-          </a:prstGeom>
-          <a:noFill/>
-          <a:ln w="3175">
-            <a:noFill/>
-            <a:prstDash val="dash"/>
-          </a:ln>
-          <a:extLst>
-            <a:ext uri="{909E8E84-426E-40DD-AFC4-6F175D3DCCD1}">
-              <a14:hiddenFill xmlns:a14="http://schemas.microsoft.com/office/drawing/2010/main">
-                <a:solidFill>
-                  <a:schemeClr val="bg2"/>
-                </a:solidFill>
-              </a14:hiddenFill>
-            </a:ext>
-          </a:extLst>
-        </p:spPr>
-        <p:txBody>
-          <a:bodyPr wrap="none" lIns="72000" tIns="36195" rIns="72000" bIns="36195" anchor="t" anchorCtr="0">
-            <a:spAutoFit/>
-          </a:bodyPr>
-          <a:lstStyle>
-            <a:lvl1pPr algn="l" defTabSz="913765" rtl="0" eaLnBrk="1" latinLnBrk="0" hangingPunct="1">
-              <a:lnSpc>
-                <a:spcPct val="90000"/>
-              </a:lnSpc>
-              <a:spcBef>
-                <a:spcPct val="0"/>
-              </a:spcBef>
-              <a:buNone/>
-              <a:defRPr lang="en-US" sz="2745" b="0" kern="1200" cap="none" spc="-49" baseline="0" dirty="0" smtClean="0">
-                <a:ln w="3175">
-                  <a:noFill/>
-                </a:ln>
-                <a:solidFill>
-                  <a:schemeClr val="tx1"/>
-                </a:solidFill>
-                <a:effectLst/>
-                <a:latin typeface="+mj-lt"/>
-                <a:ea typeface="+mn-ea"/>
-                <a:cs typeface="Segoe UI" panose="020B0502040204020203" pitchFamily="34" charset="0"/>
-              </a:defRPr>
-            </a:lvl1pPr>
-          </a:lstStyle>
-          <a:p>
-            <a:pPr marL="0" lvl="0" indent="0" algn="l">
-              <a:lnSpc>
-                <a:spcPct val="100000"/>
-              </a:lnSpc>
-              <a:spcBef>
-                <a:spcPts val="1000"/>
-              </a:spcBef>
-              <a:spcAft>
-                <a:spcPts val="0"/>
-              </a:spcAft>
-              <a:buSzPct val="100000"/>
-              <a:buNone/>
-            </a:pPr>
-            <a:r>
-              <a:rPr altLang="zh-CN" sz="2800" spc="251" dirty="0">
-                <a:ln w="3175">
-                  <a:noFill/>
-                  <a:prstDash val="dash"/>
-                </a:ln>
-                <a:solidFill>
-                  <a:srgbClr val="69B4B4"/>
-                </a:solidFill>
-                <a:uFillTx/>
-                <a:latin typeface="+mn-lt"/>
-                <a:cs typeface="+mn-ea"/>
-                <a:sym typeface="+mn-lt"/>
-              </a:rPr>
-              <a:t>LOGO</a:t>
-            </a:r>
-          </a:p>
-        </p:txBody>
-      </p:sp>
       <p:grpSp>
         <p:nvGrpSpPr>
           <p:cNvPr id="49" name="组合 48">
@@ -40842,13 +39261,13 @@
           <p:nvPr/>
         </p:nvPicPr>
         <p:blipFill>
-          <a:blip r:embed="rId5">
+          <a:blip r:embed="rId4">
             <a:extLst>
               <a:ext uri="{28A0092B-C50C-407E-A947-70E740481C1C}">
                 <a14:useLocalDpi xmlns:a14="http://schemas.microsoft.com/office/drawing/2010/main" val="0"/>
               </a:ext>
               <a:ext uri="{96DAC541-7B7A-43D3-8B79-37D633B846F1}">
-                <asvg:svgBlip xmlns:asvg="http://schemas.microsoft.com/office/drawing/2016/SVG/main" r:embed="rId6"/>
+                <asvg:svgBlip xmlns:asvg="http://schemas.microsoft.com/office/drawing/2016/SVG/main" r:embed="rId5"/>
               </a:ext>
             </a:extLst>
           </a:blip>
@@ -40881,13 +39300,13 @@
           <p:nvPr/>
         </p:nvPicPr>
         <p:blipFill>
-          <a:blip r:embed="rId7">
+          <a:blip r:embed="rId6">
             <a:extLst>
               <a:ext uri="{28A0092B-C50C-407E-A947-70E740481C1C}">
                 <a14:useLocalDpi xmlns:a14="http://schemas.microsoft.com/office/drawing/2010/main" val="0"/>
               </a:ext>
               <a:ext uri="{96DAC541-7B7A-43D3-8B79-37D633B846F1}">
-                <asvg:svgBlip xmlns:asvg="http://schemas.microsoft.com/office/drawing/2016/SVG/main" r:embed="rId8"/>
+                <asvg:svgBlip xmlns:asvg="http://schemas.microsoft.com/office/drawing/2016/SVG/main" r:embed="rId7"/>
               </a:ext>
             </a:extLst>
           </a:blip>
@@ -40920,13 +39339,13 @@
           <p:nvPr/>
         </p:nvPicPr>
         <p:blipFill>
-          <a:blip r:embed="rId9">
+          <a:blip r:embed="rId8">
             <a:extLst>
               <a:ext uri="{28A0092B-C50C-407E-A947-70E740481C1C}">
                 <a14:useLocalDpi xmlns:a14="http://schemas.microsoft.com/office/drawing/2010/main" val="0"/>
               </a:ext>
               <a:ext uri="{96DAC541-7B7A-43D3-8B79-37D633B846F1}">
-                <asvg:svgBlip xmlns:asvg="http://schemas.microsoft.com/office/drawing/2016/SVG/main" r:embed="rId10"/>
+                <asvg:svgBlip xmlns:asvg="http://schemas.microsoft.com/office/drawing/2016/SVG/main" r:embed="rId9"/>
               </a:ext>
             </a:extLst>
           </a:blip>
@@ -40959,13 +39378,13 @@
           <p:nvPr/>
         </p:nvPicPr>
         <p:blipFill>
-          <a:blip r:embed="rId11">
+          <a:blip r:embed="rId10">
             <a:extLst>
               <a:ext uri="{28A0092B-C50C-407E-A947-70E740481C1C}">
                 <a14:useLocalDpi xmlns:a14="http://schemas.microsoft.com/office/drawing/2010/main" val="0"/>
               </a:ext>
               <a:ext uri="{96DAC541-7B7A-43D3-8B79-37D633B846F1}">
-                <asvg:svgBlip xmlns:asvg="http://schemas.microsoft.com/office/drawing/2016/SVG/main" r:embed="rId12"/>
+                <asvg:svgBlip xmlns:asvg="http://schemas.microsoft.com/office/drawing/2016/SVG/main" r:embed="rId11"/>
               </a:ext>
             </a:extLst>
           </a:blip>
@@ -41962,99 +40381,6 @@
           </p:txBody>
         </p:sp>
       </p:grpSp>
-      <p:sp>
-        <p:nvSpPr>
-          <p:cNvPr id="7" name="Title 6"/>
-          <p:cNvSpPr txBox="1"/>
-          <p:nvPr>
-            <p:custDataLst>
-              <p:tags r:id="rId2"/>
-            </p:custDataLst>
-          </p:nvPr>
-        </p:nvSpPr>
-        <p:spPr>
-          <a:xfrm>
-            <a:off x="10844848" y="174920"/>
-            <a:ext cx="1299568" cy="503984"/>
-          </a:xfrm>
-          <a:prstGeom prst="rect">
-            <a:avLst/>
-          </a:prstGeom>
-          <a:noFill/>
-          <a:ln w="3175">
-            <a:noFill/>
-            <a:prstDash val="dash"/>
-          </a:ln>
-          <a:extLst>
-            <a:ext uri="{909E8E84-426E-40DD-AFC4-6F175D3DCCD1}">
-              <a14:hiddenFill xmlns:a14="http://schemas.microsoft.com/office/drawing/2010/main">
-                <a:solidFill>
-                  <a:schemeClr val="bg2"/>
-                </a:solidFill>
-              </a14:hiddenFill>
-            </a:ext>
-          </a:extLst>
-        </p:spPr>
-        <p:txBody>
-          <a:bodyPr wrap="none" lIns="72000" tIns="36195" rIns="72000" bIns="36195" anchor="t" anchorCtr="0">
-            <a:spAutoFit/>
-          </a:bodyPr>
-          <a:lstStyle>
-            <a:lvl1pPr algn="l" defTabSz="913765" rtl="0" eaLnBrk="1" latinLnBrk="0" hangingPunct="1">
-              <a:lnSpc>
-                <a:spcPct val="90000"/>
-              </a:lnSpc>
-              <a:spcBef>
-                <a:spcPct val="0"/>
-              </a:spcBef>
-              <a:buNone/>
-              <a:defRPr lang="en-US" sz="2745" b="0" kern="1200" cap="none" spc="-49" baseline="0" dirty="0" smtClean="0">
-                <a:ln w="3175">
-                  <a:noFill/>
-                </a:ln>
-                <a:solidFill>
-                  <a:schemeClr val="tx1"/>
-                </a:solidFill>
-                <a:effectLst/>
-                <a:latin typeface="+mj-lt"/>
-                <a:ea typeface="+mn-ea"/>
-                <a:cs typeface="Segoe UI" panose="020B0502040204020203" pitchFamily="34" charset="0"/>
-              </a:defRPr>
-            </a:lvl1pPr>
-          </a:lstStyle>
-          <a:p>
-            <a:pPr marL="0" lvl="0" indent="0" algn="l">
-              <a:lnSpc>
-                <a:spcPct val="100000"/>
-              </a:lnSpc>
-              <a:spcBef>
-                <a:spcPts val="1000"/>
-              </a:spcBef>
-              <a:spcAft>
-                <a:spcPts val="0"/>
-              </a:spcAft>
-              <a:buSzPct val="100000"/>
-              <a:buNone/>
-            </a:pPr>
-            <a:r>
-              <a:rPr altLang="zh-CN" sz="2800" spc="251" dirty="0">
-                <a:ln w="3175">
-                  <a:noFill/>
-                  <a:prstDash val="dash"/>
-                </a:ln>
-                <a:solidFill>
-                  <a:srgbClr val="69B4B4"/>
-                </a:solidFill>
-                <a:uFillTx/>
-                <a:latin typeface="+mn-lt"/>
-                <a:cs typeface="+mn-ea"/>
-                <a:sym typeface="+mn-lt"/>
-              </a:rPr>
-              <a:t>LOGO</a:t>
-            </a:r>
-          </a:p>
-        </p:txBody>
-      </p:sp>
       <p:sp>
         <p:nvSpPr>
           <p:cNvPr id="74" name="文本框 73">
@@ -44187,99 +42513,6 @@
       </p:grpSp>
       <p:sp>
         <p:nvSpPr>
-          <p:cNvPr id="7" name="Title 6"/>
-          <p:cNvSpPr txBox="1"/>
-          <p:nvPr>
-            <p:custDataLst>
-              <p:tags r:id="rId2"/>
-            </p:custDataLst>
-          </p:nvPr>
-        </p:nvSpPr>
-        <p:spPr>
-          <a:xfrm>
-            <a:off x="10844848" y="174920"/>
-            <a:ext cx="1299568" cy="503984"/>
-          </a:xfrm>
-          <a:prstGeom prst="rect">
-            <a:avLst/>
-          </a:prstGeom>
-          <a:noFill/>
-          <a:ln w="3175">
-            <a:noFill/>
-            <a:prstDash val="dash"/>
-          </a:ln>
-          <a:extLst>
-            <a:ext uri="{909E8E84-426E-40DD-AFC4-6F175D3DCCD1}">
-              <a14:hiddenFill xmlns:a14="http://schemas.microsoft.com/office/drawing/2010/main">
-                <a:solidFill>
-                  <a:schemeClr val="bg2"/>
-                </a:solidFill>
-              </a14:hiddenFill>
-            </a:ext>
-          </a:extLst>
-        </p:spPr>
-        <p:txBody>
-          <a:bodyPr wrap="none" lIns="72000" tIns="36195" rIns="72000" bIns="36195" anchor="t" anchorCtr="0">
-            <a:spAutoFit/>
-          </a:bodyPr>
-          <a:lstStyle>
-            <a:lvl1pPr algn="l" defTabSz="913765" rtl="0" eaLnBrk="1" latinLnBrk="0" hangingPunct="1">
-              <a:lnSpc>
-                <a:spcPct val="90000"/>
-              </a:lnSpc>
-              <a:spcBef>
-                <a:spcPct val="0"/>
-              </a:spcBef>
-              <a:buNone/>
-              <a:defRPr lang="en-US" sz="2745" b="0" kern="1200" cap="none" spc="-49" baseline="0" dirty="0" smtClean="0">
-                <a:ln w="3175">
-                  <a:noFill/>
-                </a:ln>
-                <a:solidFill>
-                  <a:schemeClr val="tx1"/>
-                </a:solidFill>
-                <a:effectLst/>
-                <a:latin typeface="+mj-lt"/>
-                <a:ea typeface="+mn-ea"/>
-                <a:cs typeface="Segoe UI" panose="020B0502040204020203" pitchFamily="34" charset="0"/>
-              </a:defRPr>
-            </a:lvl1pPr>
-          </a:lstStyle>
-          <a:p>
-            <a:pPr marL="0" lvl="0" indent="0" algn="l">
-              <a:lnSpc>
-                <a:spcPct val="100000"/>
-              </a:lnSpc>
-              <a:spcBef>
-                <a:spcPts val="1000"/>
-              </a:spcBef>
-              <a:spcAft>
-                <a:spcPts val="0"/>
-              </a:spcAft>
-              <a:buSzPct val="100000"/>
-              <a:buNone/>
-            </a:pPr>
-            <a:r>
-              <a:rPr altLang="zh-CN" sz="2800" spc="251" dirty="0">
-                <a:ln w="3175">
-                  <a:noFill/>
-                  <a:prstDash val="dash"/>
-                </a:ln>
-                <a:solidFill>
-                  <a:srgbClr val="69B4B4"/>
-                </a:solidFill>
-                <a:uFillTx/>
-                <a:latin typeface="+mn-lt"/>
-                <a:cs typeface="+mn-ea"/>
-                <a:sym typeface="+mn-lt"/>
-              </a:rPr>
-              <a:t>LOGO</a:t>
-            </a:r>
-          </a:p>
-        </p:txBody>
-      </p:sp>
-      <p:sp>
-        <p:nvSpPr>
           <p:cNvPr id="72" name="文本框 71">
             <a:extLst>
               <a:ext uri="{FF2B5EF4-FFF2-40B4-BE49-F238E27FC236}">
@@ -44437,13 +42670,13 @@
           <p:nvPr/>
         </p:nvPicPr>
         <p:blipFill>
-          <a:blip r:embed="rId4">
+          <a:blip r:embed="rId3">
             <a:extLst>
               <a:ext uri="{28A0092B-C50C-407E-A947-70E740481C1C}">
                 <a14:useLocalDpi xmlns:a14="http://schemas.microsoft.com/office/drawing/2010/main" val="0"/>
               </a:ext>
               <a:ext uri="{96DAC541-7B7A-43D3-8B79-37D633B846F1}">
-                <asvg:svgBlip xmlns:asvg="http://schemas.microsoft.com/office/drawing/2016/SVG/main" r:embed="rId5"/>
+                <asvg:svgBlip xmlns:asvg="http://schemas.microsoft.com/office/drawing/2016/SVG/main" r:embed="rId4"/>
               </a:ext>
             </a:extLst>
           </a:blip>
@@ -45083,99 +43316,6 @@
           </p:txBody>
         </p:sp>
       </p:grpSp>
-      <p:sp>
-        <p:nvSpPr>
-          <p:cNvPr id="7" name="Title 6"/>
-          <p:cNvSpPr txBox="1"/>
-          <p:nvPr>
-            <p:custDataLst>
-              <p:tags r:id="rId2"/>
-            </p:custDataLst>
-          </p:nvPr>
-        </p:nvSpPr>
-        <p:spPr>
-          <a:xfrm>
-            <a:off x="10844848" y="174920"/>
-            <a:ext cx="1299568" cy="503984"/>
-          </a:xfrm>
-          <a:prstGeom prst="rect">
-            <a:avLst/>
-          </a:prstGeom>
-          <a:noFill/>
-          <a:ln w="3175">
-            <a:noFill/>
-            <a:prstDash val="dash"/>
-          </a:ln>
-          <a:extLst>
-            <a:ext uri="{909E8E84-426E-40DD-AFC4-6F175D3DCCD1}">
-              <a14:hiddenFill xmlns:a14="http://schemas.microsoft.com/office/drawing/2010/main">
-                <a:solidFill>
-                  <a:schemeClr val="bg2"/>
-                </a:solidFill>
-              </a14:hiddenFill>
-            </a:ext>
-          </a:extLst>
-        </p:spPr>
-        <p:txBody>
-          <a:bodyPr wrap="none" lIns="72000" tIns="36195" rIns="72000" bIns="36195" anchor="t" anchorCtr="0">
-            <a:spAutoFit/>
-          </a:bodyPr>
-          <a:lstStyle>
-            <a:lvl1pPr algn="l" defTabSz="913765" rtl="0" eaLnBrk="1" latinLnBrk="0" hangingPunct="1">
-              <a:lnSpc>
-                <a:spcPct val="90000"/>
-              </a:lnSpc>
-              <a:spcBef>
-                <a:spcPct val="0"/>
-              </a:spcBef>
-              <a:buNone/>
-              <a:defRPr lang="en-US" sz="2745" b="0" kern="1200" cap="none" spc="-49" baseline="0" dirty="0" smtClean="0">
-                <a:ln w="3175">
-                  <a:noFill/>
-                </a:ln>
-                <a:solidFill>
-                  <a:schemeClr val="tx1"/>
-                </a:solidFill>
-                <a:effectLst/>
-                <a:latin typeface="+mj-lt"/>
-                <a:ea typeface="+mn-ea"/>
-                <a:cs typeface="Segoe UI" panose="020B0502040204020203" pitchFamily="34" charset="0"/>
-              </a:defRPr>
-            </a:lvl1pPr>
-          </a:lstStyle>
-          <a:p>
-            <a:pPr marL="0" lvl="0" indent="0" algn="l">
-              <a:lnSpc>
-                <a:spcPct val="100000"/>
-              </a:lnSpc>
-              <a:spcBef>
-                <a:spcPts val="1000"/>
-              </a:spcBef>
-              <a:spcAft>
-                <a:spcPts val="0"/>
-              </a:spcAft>
-              <a:buSzPct val="100000"/>
-              <a:buNone/>
-            </a:pPr>
-            <a:r>
-              <a:rPr altLang="zh-CN" sz="2800" spc="251" dirty="0">
-                <a:ln w="3175">
-                  <a:noFill/>
-                  <a:prstDash val="dash"/>
-                </a:ln>
-                <a:solidFill>
-                  <a:srgbClr val="69B4B4"/>
-                </a:solidFill>
-                <a:uFillTx/>
-                <a:latin typeface="+mn-lt"/>
-                <a:cs typeface="+mn-ea"/>
-                <a:sym typeface="+mn-lt"/>
-              </a:rPr>
-              <a:t>LOGO</a:t>
-            </a:r>
-          </a:p>
-        </p:txBody>
-      </p:sp>
       <p:graphicFrame>
         <p:nvGraphicFramePr>
           <p:cNvPr id="101" name="图表 13">
@@ -45204,12 +43344,12 @@
           <a:graphicData uri="http://schemas.openxmlformats.org/presentationml/2006/ole">
             <mc:AlternateContent xmlns:mc="http://schemas.openxmlformats.org/markup-compatibility/2006">
               <mc:Choice xmlns:v="urn:schemas-microsoft-com:vml" Requires="v">
-                <p:oleObj name="图表" r:id="rId5" imgW="4151736" imgH="3103133" progId="Excel.Chart.8">
+                <p:oleObj name="图表" r:id="rId4" imgW="4151736" imgH="3103133" progId="Excel.Chart.8">
                   <p:embed/>
                 </p:oleObj>
               </mc:Choice>
               <mc:Fallback>
-                <p:oleObj name="图表" r:id="rId5" imgW="4151736" imgH="3103133" progId="Excel.Chart.8">
+                <p:oleObj name="图表" r:id="rId4" imgW="4151736" imgH="3103133" progId="Excel.Chart.8">
                   <p:embed/>
                   <p:pic>
                     <p:nvPicPr>
@@ -45226,7 +43366,7 @@
                       <p:nvPr/>
                     </p:nvPicPr>
                     <p:blipFill>
-                      <a:blip r:embed="rId6">
+                      <a:blip r:embed="rId5">
                         <a:extLst>
                           <a:ext uri="{28A0092B-C50C-407E-A947-70E740481C1C}">
                             <a14:useLocalDpi xmlns:a14="http://schemas.microsoft.com/office/drawing/2010/main" val="0"/>
@@ -45285,7 +43425,7 @@
             <a:avLst/>
           </a:prstGeom>
           <a:blipFill>
-            <a:blip r:embed="rId7"/>
+            <a:blip r:embed="rId6"/>
             <a:tile tx="0" ty="0" sx="100000" sy="100000" flip="none" algn="tl"/>
           </a:blipFill>
         </p:spPr>
@@ -45340,7 +43480,7 @@
           <p:nvPr/>
         </p:nvPicPr>
         <p:blipFill>
-          <a:blip r:embed="rId8">
+          <a:blip r:embed="rId7">
             <a:extLst>
               <a:ext uri="{28A0092B-C50C-407E-A947-70E740481C1C}">
                 <a14:useLocalDpi xmlns:a14="http://schemas.microsoft.com/office/drawing/2010/main" val="0"/>
@@ -46518,19 +44658,27 @@
 
 <file path=ppt/tags/tag101.xml><?xml version="1.0" encoding="utf-8"?>
 <p:tagLst xmlns:a="http://schemas.openxmlformats.org/drawingml/2006/main" xmlns:r="http://schemas.openxmlformats.org/officeDocument/2006/relationships" xmlns:p="http://schemas.openxmlformats.org/presentationml/2006/main">
-  <p:tag name="KSO_WM_TEMPLATE_THUMBS_INDEX" val="1"/>
-  <p:tag name="KSO_WM_SLIDE_ID" val="custom20187308_1"/>
-  <p:tag name="KSO_WM_TEMPLATE_SUBCATEGORY" val="0"/>
-  <p:tag name="KSO_WM_SLIDE_TYPE" val="title"/>
-  <p:tag name="KSO_WM_SLIDE_SUBTYPE" val="defaultBlank"/>
-  <p:tag name="KSO_WM_SLIDE_ITEM_CNT" val="0"/>
-  <p:tag name="KSO_WM_SLIDE_INDEX" val="1"/>
+  <p:tag name="KSO_WM_UNIT_TEXTBOXSTYLE_SHAPETYPE" val="0"/>
+  <p:tag name="KSO_WM_UNIT_TEXTBOXSTYLE_TEMPLATETYPE" val="1"/>
+  <p:tag name="KSO_WM_UNIT_ISCONTENTSTITLE" val="0"/>
+  <p:tag name="KSO_WM_UNIT_NOCLEAR" val="0"/>
+  <p:tag name="KSO_WM_UNIT_VALUE" val="35"/>
+  <p:tag name="KSO_WM_UNIT_HIGHLIGHT" val="0"/>
+  <p:tag name="KSO_WM_UNIT_COMPATIBLE" val="0"/>
+  <p:tag name="KSO_WM_UNIT_DIAGRAM_ISNUMVISUAL" val="0"/>
+  <p:tag name="KSO_WM_UNIT_DIAGRAM_ISREFERUNIT" val="0"/>
+  <p:tag name="KSO_WM_UNIT_TYPE" val="a"/>
+  <p:tag name="KSO_WM_UNIT_INDEX" val="1"/>
+  <p:tag name="KSO_WM_UNIT_ID" val="mixed20201883_98*a*1"/>
+  <p:tag name="KSO_WM_TEMPLATE_CATEGORY" val="mixed"/>
+  <p:tag name="KSO_WM_TEMPLATE_INDEX" val="20201883"/>
+  <p:tag name="KSO_WM_UNIT_LAYERLEVEL" val="1"/>
   <p:tag name="KSO_WM_TAG_VERSION" val="1.0"/>
   <p:tag name="KSO_WM_BEAUTIFY_FLAG" val="#wm#"/>
-  <p:tag name="KSO_WM_TEMPLATE_CATEGORY" val="custom"/>
-  <p:tag name="KSO_WM_TEMPLATE_INDEX" val="20187308"/>
-  <p:tag name="KSO_WM_SLIDE_LAYOUT" val="a_b"/>
-  <p:tag name="KSO_WM_SLIDE_LAYOUT_CNT" val="1_1"/>
+  <p:tag name="KSO_WM_UNIT_PRESET_TEXT" val="单击此处输入正文标题内容"/>
+  <p:tag name="KSO_WM_UNIT_TEXTBOXSTYLE_GUID" val="{b7ac5097-dede-4cbb-aabe-df0a49354ae8}"/>
+  <p:tag name="KSO_WM_UNIT_TEXTBOXSTYLE_TEMPLATEID" val="3131121"/>
+  <p:tag name="KSO_WM_UNIT_TEXTBOXSTYLE_TYPE" val="3"/>
 </p:tagLst>
 </file>
 
@@ -46588,27 +44736,19 @@
 
 <file path=ppt/tags/tag104.xml><?xml version="1.0" encoding="utf-8"?>
 <p:tagLst xmlns:a="http://schemas.openxmlformats.org/drawingml/2006/main" xmlns:r="http://schemas.openxmlformats.org/officeDocument/2006/relationships" xmlns:p="http://schemas.openxmlformats.org/presentationml/2006/main">
-  <p:tag name="KSO_WM_UNIT_TEXTBOXSTYLE_SHAPETYPE" val="0"/>
-  <p:tag name="KSO_WM_UNIT_TEXTBOXSTYLE_TEMPLATETYPE" val="1"/>
-  <p:tag name="KSO_WM_UNIT_ISCONTENTSTITLE" val="0"/>
-  <p:tag name="KSO_WM_UNIT_NOCLEAR" val="0"/>
-  <p:tag name="KSO_WM_UNIT_VALUE" val="35"/>
-  <p:tag name="KSO_WM_UNIT_HIGHLIGHT" val="0"/>
-  <p:tag name="KSO_WM_UNIT_COMPATIBLE" val="0"/>
-  <p:tag name="KSO_WM_UNIT_DIAGRAM_ISNUMVISUAL" val="0"/>
-  <p:tag name="KSO_WM_UNIT_DIAGRAM_ISREFERUNIT" val="0"/>
-  <p:tag name="KSO_WM_UNIT_TYPE" val="a"/>
-  <p:tag name="KSO_WM_UNIT_INDEX" val="1"/>
-  <p:tag name="KSO_WM_UNIT_ID" val="mixed20201883_98*a*1"/>
-  <p:tag name="KSO_WM_TEMPLATE_CATEGORY" val="mixed"/>
-  <p:tag name="KSO_WM_TEMPLATE_INDEX" val="20201883"/>
-  <p:tag name="KSO_WM_UNIT_LAYERLEVEL" val="1"/>
+  <p:tag name="KSO_WM_TEMPLATE_THUMBS_INDEX" val="1"/>
+  <p:tag name="KSO_WM_SLIDE_ID" val="custom20187308_1"/>
+  <p:tag name="KSO_WM_TEMPLATE_SUBCATEGORY" val="0"/>
+  <p:tag name="KSO_WM_SLIDE_TYPE" val="title"/>
+  <p:tag name="KSO_WM_SLIDE_SUBTYPE" val="defaultBlank"/>
+  <p:tag name="KSO_WM_SLIDE_ITEM_CNT" val="0"/>
+  <p:tag name="KSO_WM_SLIDE_INDEX" val="1"/>
   <p:tag name="KSO_WM_TAG_VERSION" val="1.0"/>
   <p:tag name="KSO_WM_BEAUTIFY_FLAG" val="#wm#"/>
-  <p:tag name="KSO_WM_UNIT_PRESET_TEXT" val="单击此处输入正文标题内容"/>
-  <p:tag name="KSO_WM_UNIT_TEXTBOXSTYLE_GUID" val="{b7ac5097-dede-4cbb-aabe-df0a49354ae8}"/>
-  <p:tag name="KSO_WM_UNIT_TEXTBOXSTYLE_TEMPLATEID" val="3131121"/>
-  <p:tag name="KSO_WM_UNIT_TEXTBOXSTYLE_TYPE" val="3"/>
+  <p:tag name="KSO_WM_TEMPLATE_CATEGORY" val="custom"/>
+  <p:tag name="KSO_WM_TEMPLATE_INDEX" val="20187308"/>
+  <p:tag name="KSO_WM_SLIDE_LAYOUT" val="a_b"/>
+  <p:tag name="KSO_WM_SLIDE_LAYOUT_CNT" val="1_1"/>
 </p:tagLst>
 </file>
 
@@ -46757,27 +44897,19 @@
 
 <file path=ppt/tags/tag110.xml><?xml version="1.0" encoding="utf-8"?>
 <p:tagLst xmlns:a="http://schemas.openxmlformats.org/drawingml/2006/main" xmlns:r="http://schemas.openxmlformats.org/officeDocument/2006/relationships" xmlns:p="http://schemas.openxmlformats.org/presentationml/2006/main">
-  <p:tag name="KSO_WM_UNIT_TEXTBOXSTYLE_SHAPETYPE" val="0"/>
-  <p:tag name="KSO_WM_UNIT_TEXTBOXSTYLE_TEMPLATETYPE" val="1"/>
-  <p:tag name="KSO_WM_UNIT_ISCONTENTSTITLE" val="0"/>
-  <p:tag name="KSO_WM_UNIT_NOCLEAR" val="0"/>
-  <p:tag name="KSO_WM_UNIT_VALUE" val="35"/>
-  <p:tag name="KSO_WM_UNIT_HIGHLIGHT" val="0"/>
-  <p:tag name="KSO_WM_UNIT_COMPATIBLE" val="0"/>
-  <p:tag name="KSO_WM_UNIT_DIAGRAM_ISNUMVISUAL" val="0"/>
-  <p:tag name="KSO_WM_UNIT_DIAGRAM_ISREFERUNIT" val="0"/>
-  <p:tag name="KSO_WM_UNIT_TYPE" val="a"/>
-  <p:tag name="KSO_WM_UNIT_INDEX" val="1"/>
-  <p:tag name="KSO_WM_UNIT_ID" val="mixed20201883_98*a*1"/>
-  <p:tag name="KSO_WM_TEMPLATE_CATEGORY" val="mixed"/>
-  <p:tag name="KSO_WM_TEMPLATE_INDEX" val="20201883"/>
-  <p:tag name="KSO_WM_UNIT_LAYERLEVEL" val="1"/>
+  <p:tag name="KSO_WM_TEMPLATE_THUMBS_INDEX" val="1"/>
+  <p:tag name="KSO_WM_SLIDE_ID" val="custom20187308_1"/>
+  <p:tag name="KSO_WM_TEMPLATE_SUBCATEGORY" val="0"/>
+  <p:tag name="KSO_WM_SLIDE_TYPE" val="title"/>
+  <p:tag name="KSO_WM_SLIDE_SUBTYPE" val="defaultBlank"/>
+  <p:tag name="KSO_WM_SLIDE_ITEM_CNT" val="0"/>
+  <p:tag name="KSO_WM_SLIDE_INDEX" val="1"/>
   <p:tag name="KSO_WM_TAG_VERSION" val="1.0"/>
   <p:tag name="KSO_WM_BEAUTIFY_FLAG" val="#wm#"/>
-  <p:tag name="KSO_WM_UNIT_PRESET_TEXT" val="单击此处输入正文标题内容"/>
-  <p:tag name="KSO_WM_UNIT_TEXTBOXSTYLE_GUID" val="{b7ac5097-dede-4cbb-aabe-df0a49354ae8}"/>
-  <p:tag name="KSO_WM_UNIT_TEXTBOXSTYLE_TEMPLATEID" val="3131121"/>
-  <p:tag name="KSO_WM_UNIT_TEXTBOXSTYLE_TYPE" val="3"/>
+  <p:tag name="KSO_WM_TEMPLATE_CATEGORY" val="custom"/>
+  <p:tag name="KSO_WM_TEMPLATE_INDEX" val="20187308"/>
+  <p:tag name="KSO_WM_SLIDE_LAYOUT" val="a_b"/>
+  <p:tag name="KSO_WM_SLIDE_LAYOUT_CNT" val="1_1"/>
 </p:tagLst>
 </file>
 
@@ -46809,19 +44941,27 @@
 
 <file path=ppt/tags/tag112.xml><?xml version="1.0" encoding="utf-8"?>
 <p:tagLst xmlns:a="http://schemas.openxmlformats.org/drawingml/2006/main" xmlns:r="http://schemas.openxmlformats.org/officeDocument/2006/relationships" xmlns:p="http://schemas.openxmlformats.org/presentationml/2006/main">
-  <p:tag name="KSO_WM_TEMPLATE_THUMBS_INDEX" val="1"/>
-  <p:tag name="KSO_WM_SLIDE_ID" val="custom20187308_1"/>
-  <p:tag name="KSO_WM_TEMPLATE_SUBCATEGORY" val="0"/>
-  <p:tag name="KSO_WM_SLIDE_TYPE" val="title"/>
-  <p:tag name="KSO_WM_SLIDE_SUBTYPE" val="defaultBlank"/>
-  <p:tag name="KSO_WM_SLIDE_ITEM_CNT" val="0"/>
-  <p:tag name="KSO_WM_SLIDE_INDEX" val="1"/>
+  <p:tag name="KSO_WM_UNIT_TEXTBOXSTYLE_SHAPETYPE" val="0"/>
+  <p:tag name="KSO_WM_UNIT_TEXTBOXSTYLE_TEMPLATETYPE" val="1"/>
+  <p:tag name="KSO_WM_UNIT_ISCONTENTSTITLE" val="0"/>
+  <p:tag name="KSO_WM_UNIT_NOCLEAR" val="0"/>
+  <p:tag name="KSO_WM_UNIT_VALUE" val="35"/>
+  <p:tag name="KSO_WM_UNIT_HIGHLIGHT" val="0"/>
+  <p:tag name="KSO_WM_UNIT_COMPATIBLE" val="0"/>
+  <p:tag name="KSO_WM_UNIT_DIAGRAM_ISNUMVISUAL" val="0"/>
+  <p:tag name="KSO_WM_UNIT_DIAGRAM_ISREFERUNIT" val="0"/>
+  <p:tag name="KSO_WM_UNIT_TYPE" val="a"/>
+  <p:tag name="KSO_WM_UNIT_INDEX" val="1"/>
+  <p:tag name="KSO_WM_UNIT_ID" val="mixed20201883_98*a*1"/>
+  <p:tag name="KSO_WM_TEMPLATE_CATEGORY" val="mixed"/>
+  <p:tag name="KSO_WM_TEMPLATE_INDEX" val="20201883"/>
+  <p:tag name="KSO_WM_UNIT_LAYERLEVEL" val="1"/>
   <p:tag name="KSO_WM_TAG_VERSION" val="1.0"/>
   <p:tag name="KSO_WM_BEAUTIFY_FLAG" val="#wm#"/>
-  <p:tag name="KSO_WM_TEMPLATE_CATEGORY" val="custom"/>
-  <p:tag name="KSO_WM_TEMPLATE_INDEX" val="20187308"/>
-  <p:tag name="KSO_WM_SLIDE_LAYOUT" val="a_b"/>
-  <p:tag name="KSO_WM_SLIDE_LAYOUT_CNT" val="1_1"/>
+  <p:tag name="KSO_WM_UNIT_PRESET_TEXT" val="单击此处输入正文标题内容"/>
+  <p:tag name="KSO_WM_UNIT_TEXTBOXSTYLE_GUID" val="{b7ac5097-dede-4cbb-aabe-df0a49354ae8}"/>
+  <p:tag name="KSO_WM_UNIT_TEXTBOXSTYLE_TEMPLATEID" val="3131121"/>
+  <p:tag name="KSO_WM_UNIT_TEXTBOXSTYLE_TYPE" val="3"/>
 </p:tagLst>
 </file>
 
@@ -46905,27 +45045,19 @@
 
 <file path=ppt/tags/tag116.xml><?xml version="1.0" encoding="utf-8"?>
 <p:tagLst xmlns:a="http://schemas.openxmlformats.org/drawingml/2006/main" xmlns:r="http://schemas.openxmlformats.org/officeDocument/2006/relationships" xmlns:p="http://schemas.openxmlformats.org/presentationml/2006/main">
-  <p:tag name="KSO_WM_UNIT_TEXTBOXSTYLE_SHAPETYPE" val="0"/>
-  <p:tag name="KSO_WM_UNIT_TEXTBOXSTYLE_TEMPLATETYPE" val="1"/>
-  <p:tag name="KSO_WM_UNIT_ISCONTENTSTITLE" val="0"/>
-  <p:tag name="KSO_WM_UNIT_NOCLEAR" val="0"/>
-  <p:tag name="KSO_WM_UNIT_VALUE" val="35"/>
-  <p:tag name="KSO_WM_UNIT_HIGHLIGHT" val="0"/>
-  <p:tag name="KSO_WM_UNIT_COMPATIBLE" val="0"/>
-  <p:tag name="KSO_WM_UNIT_DIAGRAM_ISNUMVISUAL" val="0"/>
-  <p:tag name="KSO_WM_UNIT_DIAGRAM_ISREFERUNIT" val="0"/>
-  <p:tag name="KSO_WM_UNIT_TYPE" val="a"/>
-  <p:tag name="KSO_WM_UNIT_INDEX" val="1"/>
-  <p:tag name="KSO_WM_UNIT_ID" val="mixed20201883_98*a*1"/>
-  <p:tag name="KSO_WM_TEMPLATE_CATEGORY" val="mixed"/>
-  <p:tag name="KSO_WM_TEMPLATE_INDEX" val="20201883"/>
-  <p:tag name="KSO_WM_UNIT_LAYERLEVEL" val="1"/>
+  <p:tag name="KSO_WM_TEMPLATE_THUMBS_INDEX" val="1"/>
+  <p:tag name="KSO_WM_SLIDE_ID" val="custom20187308_1"/>
+  <p:tag name="KSO_WM_TEMPLATE_SUBCATEGORY" val="0"/>
+  <p:tag name="KSO_WM_SLIDE_TYPE" val="title"/>
+  <p:tag name="KSO_WM_SLIDE_SUBTYPE" val="defaultBlank"/>
+  <p:tag name="KSO_WM_SLIDE_ITEM_CNT" val="0"/>
+  <p:tag name="KSO_WM_SLIDE_INDEX" val="1"/>
   <p:tag name="KSO_WM_TAG_VERSION" val="1.0"/>
   <p:tag name="KSO_WM_BEAUTIFY_FLAG" val="#wm#"/>
-  <p:tag name="KSO_WM_UNIT_PRESET_TEXT" val="单击此处输入正文标题内容"/>
-  <p:tag name="KSO_WM_UNIT_TEXTBOXSTYLE_GUID" val="{b7ac5097-dede-4cbb-aabe-df0a49354ae8}"/>
-  <p:tag name="KSO_WM_UNIT_TEXTBOXSTYLE_TEMPLATEID" val="3131121"/>
-  <p:tag name="KSO_WM_UNIT_TEXTBOXSTYLE_TYPE" val="3"/>
+  <p:tag name="KSO_WM_TEMPLATE_CATEGORY" val="custom"/>
+  <p:tag name="KSO_WM_TEMPLATE_INDEX" val="20187308"/>
+  <p:tag name="KSO_WM_SLIDE_LAYOUT" val="a_b"/>
+  <p:tag name="KSO_WM_SLIDE_LAYOUT_CNT" val="1_1"/>
 </p:tagLst>
 </file>
 
@@ -46983,27 +45115,19 @@
 
 <file path=ppt/tags/tag119.xml><?xml version="1.0" encoding="utf-8"?>
 <p:tagLst xmlns:a="http://schemas.openxmlformats.org/drawingml/2006/main" xmlns:r="http://schemas.openxmlformats.org/officeDocument/2006/relationships" xmlns:p="http://schemas.openxmlformats.org/presentationml/2006/main">
-  <p:tag name="KSO_WM_UNIT_TEXTBOXSTYLE_SHAPETYPE" val="0"/>
-  <p:tag name="KSO_WM_UNIT_TEXTBOXSTYLE_TEMPLATETYPE" val="1"/>
-  <p:tag name="KSO_WM_UNIT_ISCONTENTSTITLE" val="0"/>
-  <p:tag name="KSO_WM_UNIT_NOCLEAR" val="0"/>
-  <p:tag name="KSO_WM_UNIT_VALUE" val="35"/>
-  <p:tag name="KSO_WM_UNIT_HIGHLIGHT" val="0"/>
-  <p:tag name="KSO_WM_UNIT_COMPATIBLE" val="0"/>
-  <p:tag name="KSO_WM_UNIT_DIAGRAM_ISNUMVISUAL" val="0"/>
-  <p:tag name="KSO_WM_UNIT_DIAGRAM_ISREFERUNIT" val="0"/>
-  <p:tag name="KSO_WM_UNIT_TYPE" val="a"/>
-  <p:tag name="KSO_WM_UNIT_INDEX" val="1"/>
-  <p:tag name="KSO_WM_UNIT_ID" val="mixed20201883_98*a*1"/>
-  <p:tag name="KSO_WM_TEMPLATE_CATEGORY" val="mixed"/>
-  <p:tag name="KSO_WM_TEMPLATE_INDEX" val="20201883"/>
-  <p:tag name="KSO_WM_UNIT_LAYERLEVEL" val="1"/>
+  <p:tag name="KSO_WM_TEMPLATE_THUMBS_INDEX" val="1"/>
+  <p:tag name="KSO_WM_SLIDE_ID" val="custom20187308_1"/>
+  <p:tag name="KSO_WM_TEMPLATE_SUBCATEGORY" val="0"/>
+  <p:tag name="KSO_WM_SLIDE_TYPE" val="title"/>
+  <p:tag name="KSO_WM_SLIDE_SUBTYPE" val="defaultBlank"/>
+  <p:tag name="KSO_WM_SLIDE_ITEM_CNT" val="0"/>
+  <p:tag name="KSO_WM_SLIDE_INDEX" val="1"/>
   <p:tag name="KSO_WM_TAG_VERSION" val="1.0"/>
   <p:tag name="KSO_WM_BEAUTIFY_FLAG" val="#wm#"/>
-  <p:tag name="KSO_WM_UNIT_PRESET_TEXT" val="单击此处输入正文标题内容"/>
-  <p:tag name="KSO_WM_UNIT_TEXTBOXSTYLE_GUID" val="{b7ac5097-dede-4cbb-aabe-df0a49354ae8}"/>
-  <p:tag name="KSO_WM_UNIT_TEXTBOXSTYLE_TEMPLATEID" val="3131121"/>
-  <p:tag name="KSO_WM_UNIT_TEXTBOXSTYLE_TYPE" val="3"/>
+  <p:tag name="KSO_WM_TEMPLATE_CATEGORY" val="custom"/>
+  <p:tag name="KSO_WM_TEMPLATE_INDEX" val="20187308"/>
+  <p:tag name="KSO_WM_SLIDE_LAYOUT" val="a_b"/>
+  <p:tag name="KSO_WM_SLIDE_LAYOUT_CNT" val="1_1"/>
 </p:tagLst>
 </file>
 
@@ -47020,258 +45144,6 @@
 </p:tagLst>
 </file>
 
-<file path=ppt/tags/tag120.xml><?xml version="1.0" encoding="utf-8"?>
-<p:tagLst xmlns:a="http://schemas.openxmlformats.org/drawingml/2006/main" xmlns:r="http://schemas.openxmlformats.org/officeDocument/2006/relationships" xmlns:p="http://schemas.openxmlformats.org/presentationml/2006/main">
-  <p:tag name="KSO_WM_UNIT_TEXTBOXSTYLE_SHAPETYPE" val="0"/>
-  <p:tag name="KSO_WM_UNIT_TEXTBOXSTYLE_TEMPLATETYPE" val="1"/>
-  <p:tag name="KSO_WM_UNIT_ISCONTENTSTITLE" val="0"/>
-  <p:tag name="KSO_WM_UNIT_NOCLEAR" val="0"/>
-  <p:tag name="KSO_WM_UNIT_VALUE" val="35"/>
-  <p:tag name="KSO_WM_UNIT_HIGHLIGHT" val="0"/>
-  <p:tag name="KSO_WM_UNIT_COMPATIBLE" val="0"/>
-  <p:tag name="KSO_WM_UNIT_DIAGRAM_ISNUMVISUAL" val="0"/>
-  <p:tag name="KSO_WM_UNIT_DIAGRAM_ISREFERUNIT" val="0"/>
-  <p:tag name="KSO_WM_UNIT_TYPE" val="a"/>
-  <p:tag name="KSO_WM_UNIT_INDEX" val="1"/>
-  <p:tag name="KSO_WM_UNIT_ID" val="mixed20201883_98*a*1"/>
-  <p:tag name="KSO_WM_TEMPLATE_CATEGORY" val="mixed"/>
-  <p:tag name="KSO_WM_TEMPLATE_INDEX" val="20201883"/>
-  <p:tag name="KSO_WM_UNIT_LAYERLEVEL" val="1"/>
-  <p:tag name="KSO_WM_TAG_VERSION" val="1.0"/>
-  <p:tag name="KSO_WM_BEAUTIFY_FLAG" val="#wm#"/>
-  <p:tag name="KSO_WM_UNIT_PRESET_TEXT" val="单击此处输入正文标题内容"/>
-  <p:tag name="KSO_WM_UNIT_TEXTBOXSTYLE_GUID" val="{b7ac5097-dede-4cbb-aabe-df0a49354ae8}"/>
-  <p:tag name="KSO_WM_UNIT_TEXTBOXSTYLE_TEMPLATEID" val="3131121"/>
-  <p:tag name="KSO_WM_UNIT_TEXTBOXSTYLE_TYPE" val="3"/>
-</p:tagLst>
-</file>
-
-<file path=ppt/tags/tag121.xml><?xml version="1.0" encoding="utf-8"?>
-<p:tagLst xmlns:a="http://schemas.openxmlformats.org/drawingml/2006/main" xmlns:r="http://schemas.openxmlformats.org/officeDocument/2006/relationships" xmlns:p="http://schemas.openxmlformats.org/presentationml/2006/main">
-  <p:tag name="KSO_WM_UNIT_TEXTBOXSTYLE_SHAPETYPE" val="0"/>
-  <p:tag name="KSO_WM_UNIT_TEXTBOXSTYLE_TEMPLATETYPE" val="1"/>
-  <p:tag name="KSO_WM_UNIT_ISCONTENTSTITLE" val="0"/>
-  <p:tag name="KSO_WM_UNIT_NOCLEAR" val="0"/>
-  <p:tag name="KSO_WM_UNIT_VALUE" val="35"/>
-  <p:tag name="KSO_WM_UNIT_HIGHLIGHT" val="0"/>
-  <p:tag name="KSO_WM_UNIT_COMPATIBLE" val="0"/>
-  <p:tag name="KSO_WM_UNIT_DIAGRAM_ISNUMVISUAL" val="0"/>
-  <p:tag name="KSO_WM_UNIT_DIAGRAM_ISREFERUNIT" val="0"/>
-  <p:tag name="KSO_WM_UNIT_TYPE" val="a"/>
-  <p:tag name="KSO_WM_UNIT_INDEX" val="1"/>
-  <p:tag name="KSO_WM_UNIT_ID" val="mixed20201883_98*a*1"/>
-  <p:tag name="KSO_WM_TEMPLATE_CATEGORY" val="mixed"/>
-  <p:tag name="KSO_WM_TEMPLATE_INDEX" val="20201883"/>
-  <p:tag name="KSO_WM_UNIT_LAYERLEVEL" val="1"/>
-  <p:tag name="KSO_WM_TAG_VERSION" val="1.0"/>
-  <p:tag name="KSO_WM_BEAUTIFY_FLAG" val="#wm#"/>
-  <p:tag name="KSO_WM_UNIT_PRESET_TEXT" val="单击此处输入正文标题内容"/>
-  <p:tag name="KSO_WM_UNIT_TEXTBOXSTYLE_GUID" val="{b7ac5097-dede-4cbb-aabe-df0a49354ae8}"/>
-  <p:tag name="KSO_WM_UNIT_TEXTBOXSTYLE_TEMPLATEID" val="3131121"/>
-  <p:tag name="KSO_WM_UNIT_TEXTBOXSTYLE_TYPE" val="3"/>
-</p:tagLst>
-</file>
-
-<file path=ppt/tags/tag122.xml><?xml version="1.0" encoding="utf-8"?>
-<p:tagLst xmlns:a="http://schemas.openxmlformats.org/drawingml/2006/main" xmlns:r="http://schemas.openxmlformats.org/officeDocument/2006/relationships" xmlns:p="http://schemas.openxmlformats.org/presentationml/2006/main">
-  <p:tag name="KSO_WM_UNIT_TEXTBOXSTYLE_SHAPETYPE" val="0"/>
-  <p:tag name="KSO_WM_UNIT_TEXTBOXSTYLE_TEMPLATETYPE" val="1"/>
-  <p:tag name="KSO_WM_UNIT_ISCONTENTSTITLE" val="0"/>
-  <p:tag name="KSO_WM_UNIT_NOCLEAR" val="0"/>
-  <p:tag name="KSO_WM_UNIT_VALUE" val="35"/>
-  <p:tag name="KSO_WM_UNIT_HIGHLIGHT" val="0"/>
-  <p:tag name="KSO_WM_UNIT_COMPATIBLE" val="0"/>
-  <p:tag name="KSO_WM_UNIT_DIAGRAM_ISNUMVISUAL" val="0"/>
-  <p:tag name="KSO_WM_UNIT_DIAGRAM_ISREFERUNIT" val="0"/>
-  <p:tag name="KSO_WM_UNIT_TYPE" val="a"/>
-  <p:tag name="KSO_WM_UNIT_INDEX" val="1"/>
-  <p:tag name="KSO_WM_UNIT_ID" val="mixed20201883_98*a*1"/>
-  <p:tag name="KSO_WM_TEMPLATE_CATEGORY" val="mixed"/>
-  <p:tag name="KSO_WM_TEMPLATE_INDEX" val="20201883"/>
-  <p:tag name="KSO_WM_UNIT_LAYERLEVEL" val="1"/>
-  <p:tag name="KSO_WM_TAG_VERSION" val="1.0"/>
-  <p:tag name="KSO_WM_BEAUTIFY_FLAG" val="#wm#"/>
-  <p:tag name="KSO_WM_UNIT_PRESET_TEXT" val="单击此处输入正文标题内容"/>
-  <p:tag name="KSO_WM_UNIT_TEXTBOXSTYLE_GUID" val="{b7ac5097-dede-4cbb-aabe-df0a49354ae8}"/>
-  <p:tag name="KSO_WM_UNIT_TEXTBOXSTYLE_TEMPLATEID" val="3131121"/>
-  <p:tag name="KSO_WM_UNIT_TEXTBOXSTYLE_TYPE" val="3"/>
-</p:tagLst>
-</file>
-
-<file path=ppt/tags/tag123.xml><?xml version="1.0" encoding="utf-8"?>
-<p:tagLst xmlns:a="http://schemas.openxmlformats.org/drawingml/2006/main" xmlns:r="http://schemas.openxmlformats.org/officeDocument/2006/relationships" xmlns:p="http://schemas.openxmlformats.org/presentationml/2006/main">
-  <p:tag name="KSO_WM_TEMPLATE_THUMBS_INDEX" val="1"/>
-  <p:tag name="KSO_WM_SLIDE_ID" val="custom20187308_1"/>
-  <p:tag name="KSO_WM_TEMPLATE_SUBCATEGORY" val="0"/>
-  <p:tag name="KSO_WM_SLIDE_TYPE" val="title"/>
-  <p:tag name="KSO_WM_SLIDE_SUBTYPE" val="defaultBlank"/>
-  <p:tag name="KSO_WM_SLIDE_ITEM_CNT" val="0"/>
-  <p:tag name="KSO_WM_SLIDE_INDEX" val="1"/>
-  <p:tag name="KSO_WM_TAG_VERSION" val="1.0"/>
-  <p:tag name="KSO_WM_BEAUTIFY_FLAG" val="#wm#"/>
-  <p:tag name="KSO_WM_TEMPLATE_CATEGORY" val="custom"/>
-  <p:tag name="KSO_WM_TEMPLATE_INDEX" val="20187308"/>
-  <p:tag name="KSO_WM_SLIDE_LAYOUT" val="a_b"/>
-  <p:tag name="KSO_WM_SLIDE_LAYOUT_CNT" val="1_1"/>
-</p:tagLst>
-</file>
-
-<file path=ppt/tags/tag124.xml><?xml version="1.0" encoding="utf-8"?>
-<p:tagLst xmlns:a="http://schemas.openxmlformats.org/drawingml/2006/main" xmlns:r="http://schemas.openxmlformats.org/officeDocument/2006/relationships" xmlns:p="http://schemas.openxmlformats.org/presentationml/2006/main">
-  <p:tag name="KSO_WM_UNIT_TEXTBOXSTYLE_SHAPETYPE" val="0"/>
-  <p:tag name="KSO_WM_UNIT_TEXTBOXSTYLE_TEMPLATETYPE" val="1"/>
-  <p:tag name="KSO_WM_UNIT_ISCONTENTSTITLE" val="0"/>
-  <p:tag name="KSO_WM_UNIT_NOCLEAR" val="0"/>
-  <p:tag name="KSO_WM_UNIT_VALUE" val="35"/>
-  <p:tag name="KSO_WM_UNIT_HIGHLIGHT" val="0"/>
-  <p:tag name="KSO_WM_UNIT_COMPATIBLE" val="0"/>
-  <p:tag name="KSO_WM_UNIT_DIAGRAM_ISNUMVISUAL" val="0"/>
-  <p:tag name="KSO_WM_UNIT_DIAGRAM_ISREFERUNIT" val="0"/>
-  <p:tag name="KSO_WM_UNIT_TYPE" val="a"/>
-  <p:tag name="KSO_WM_UNIT_INDEX" val="1"/>
-  <p:tag name="KSO_WM_UNIT_ID" val="mixed20201883_98*a*1"/>
-  <p:tag name="KSO_WM_TEMPLATE_CATEGORY" val="mixed"/>
-  <p:tag name="KSO_WM_TEMPLATE_INDEX" val="20201883"/>
-  <p:tag name="KSO_WM_UNIT_LAYERLEVEL" val="1"/>
-  <p:tag name="KSO_WM_TAG_VERSION" val="1.0"/>
-  <p:tag name="KSO_WM_BEAUTIFY_FLAG" val="#wm#"/>
-  <p:tag name="KSO_WM_UNIT_PRESET_TEXT" val="单击此处输入正文标题内容"/>
-  <p:tag name="KSO_WM_UNIT_TEXTBOXSTYLE_GUID" val="{b7ac5097-dede-4cbb-aabe-df0a49354ae8}"/>
-  <p:tag name="KSO_WM_UNIT_TEXTBOXSTYLE_TEMPLATEID" val="3131121"/>
-  <p:tag name="KSO_WM_UNIT_TEXTBOXSTYLE_TYPE" val="3"/>
-</p:tagLst>
-</file>
-
-<file path=ppt/tags/tag125.xml><?xml version="1.0" encoding="utf-8"?>
-<p:tagLst xmlns:a="http://schemas.openxmlformats.org/drawingml/2006/main" xmlns:r="http://schemas.openxmlformats.org/officeDocument/2006/relationships" xmlns:p="http://schemas.openxmlformats.org/presentationml/2006/main">
-  <p:tag name="KSO_WM_UNIT_TEXTBOXSTYLE_SHAPETYPE" val="0"/>
-  <p:tag name="KSO_WM_UNIT_TEXTBOXSTYLE_TEMPLATETYPE" val="1"/>
-  <p:tag name="KSO_WM_UNIT_ISCONTENTSTITLE" val="0"/>
-  <p:tag name="KSO_WM_UNIT_NOCLEAR" val="0"/>
-  <p:tag name="KSO_WM_UNIT_VALUE" val="35"/>
-  <p:tag name="KSO_WM_UNIT_HIGHLIGHT" val="0"/>
-  <p:tag name="KSO_WM_UNIT_COMPATIBLE" val="0"/>
-  <p:tag name="KSO_WM_UNIT_DIAGRAM_ISNUMVISUAL" val="0"/>
-  <p:tag name="KSO_WM_UNIT_DIAGRAM_ISREFERUNIT" val="0"/>
-  <p:tag name="KSO_WM_UNIT_TYPE" val="a"/>
-  <p:tag name="KSO_WM_UNIT_INDEX" val="1"/>
-  <p:tag name="KSO_WM_UNIT_ID" val="mixed20201883_98*a*1"/>
-  <p:tag name="KSO_WM_TEMPLATE_CATEGORY" val="mixed"/>
-  <p:tag name="KSO_WM_TEMPLATE_INDEX" val="20201883"/>
-  <p:tag name="KSO_WM_UNIT_LAYERLEVEL" val="1"/>
-  <p:tag name="KSO_WM_TAG_VERSION" val="1.0"/>
-  <p:tag name="KSO_WM_BEAUTIFY_FLAG" val="#wm#"/>
-  <p:tag name="KSO_WM_UNIT_PRESET_TEXT" val="单击此处输入正文标题内容"/>
-  <p:tag name="KSO_WM_UNIT_TEXTBOXSTYLE_GUID" val="{b7ac5097-dede-4cbb-aabe-df0a49354ae8}"/>
-  <p:tag name="KSO_WM_UNIT_TEXTBOXSTYLE_TEMPLATEID" val="3131121"/>
-  <p:tag name="KSO_WM_UNIT_TEXTBOXSTYLE_TYPE" val="3"/>
-</p:tagLst>
-</file>
-
-<file path=ppt/tags/tag126.xml><?xml version="1.0" encoding="utf-8"?>
-<p:tagLst xmlns:a="http://schemas.openxmlformats.org/drawingml/2006/main" xmlns:r="http://schemas.openxmlformats.org/officeDocument/2006/relationships" xmlns:p="http://schemas.openxmlformats.org/presentationml/2006/main">
-  <p:tag name="KSO_WM_UNIT_TEXTBOXSTYLE_SHAPETYPE" val="0"/>
-  <p:tag name="KSO_WM_UNIT_TEXTBOXSTYLE_TEMPLATETYPE" val="1"/>
-  <p:tag name="KSO_WM_UNIT_ISCONTENTSTITLE" val="0"/>
-  <p:tag name="KSO_WM_UNIT_NOCLEAR" val="0"/>
-  <p:tag name="KSO_WM_UNIT_VALUE" val="35"/>
-  <p:tag name="KSO_WM_UNIT_HIGHLIGHT" val="0"/>
-  <p:tag name="KSO_WM_UNIT_COMPATIBLE" val="0"/>
-  <p:tag name="KSO_WM_UNIT_DIAGRAM_ISNUMVISUAL" val="0"/>
-  <p:tag name="KSO_WM_UNIT_DIAGRAM_ISREFERUNIT" val="0"/>
-  <p:tag name="KSO_WM_UNIT_TYPE" val="a"/>
-  <p:tag name="KSO_WM_UNIT_INDEX" val="1"/>
-  <p:tag name="KSO_WM_UNIT_ID" val="mixed20201883_98*a*1"/>
-  <p:tag name="KSO_WM_TEMPLATE_CATEGORY" val="mixed"/>
-  <p:tag name="KSO_WM_TEMPLATE_INDEX" val="20201883"/>
-  <p:tag name="KSO_WM_UNIT_LAYERLEVEL" val="1"/>
-  <p:tag name="KSO_WM_TAG_VERSION" val="1.0"/>
-  <p:tag name="KSO_WM_BEAUTIFY_FLAG" val="#wm#"/>
-  <p:tag name="KSO_WM_UNIT_PRESET_TEXT" val="单击此处输入正文标题内容"/>
-  <p:tag name="KSO_WM_UNIT_TEXTBOXSTYLE_GUID" val="{b7ac5097-dede-4cbb-aabe-df0a49354ae8}"/>
-  <p:tag name="KSO_WM_UNIT_TEXTBOXSTYLE_TEMPLATEID" val="3131121"/>
-  <p:tag name="KSO_WM_UNIT_TEXTBOXSTYLE_TYPE" val="3"/>
-</p:tagLst>
-</file>
-
-<file path=ppt/tags/tag127.xml><?xml version="1.0" encoding="utf-8"?>
-<p:tagLst xmlns:a="http://schemas.openxmlformats.org/drawingml/2006/main" xmlns:r="http://schemas.openxmlformats.org/officeDocument/2006/relationships" xmlns:p="http://schemas.openxmlformats.org/presentationml/2006/main">
-  <p:tag name="KSO_WM_UNIT_TEXTBOXSTYLE_SHAPETYPE" val="0"/>
-  <p:tag name="KSO_WM_UNIT_TEXTBOXSTYLE_TEMPLATETYPE" val="1"/>
-  <p:tag name="KSO_WM_UNIT_ISCONTENTSTITLE" val="0"/>
-  <p:tag name="KSO_WM_UNIT_NOCLEAR" val="0"/>
-  <p:tag name="KSO_WM_UNIT_VALUE" val="35"/>
-  <p:tag name="KSO_WM_UNIT_HIGHLIGHT" val="0"/>
-  <p:tag name="KSO_WM_UNIT_COMPATIBLE" val="0"/>
-  <p:tag name="KSO_WM_UNIT_DIAGRAM_ISNUMVISUAL" val="0"/>
-  <p:tag name="KSO_WM_UNIT_DIAGRAM_ISREFERUNIT" val="0"/>
-  <p:tag name="KSO_WM_UNIT_TYPE" val="a"/>
-  <p:tag name="KSO_WM_UNIT_INDEX" val="1"/>
-  <p:tag name="KSO_WM_UNIT_ID" val="mixed20201883_98*a*1"/>
-  <p:tag name="KSO_WM_TEMPLATE_CATEGORY" val="mixed"/>
-  <p:tag name="KSO_WM_TEMPLATE_INDEX" val="20201883"/>
-  <p:tag name="KSO_WM_UNIT_LAYERLEVEL" val="1"/>
-  <p:tag name="KSO_WM_TAG_VERSION" val="1.0"/>
-  <p:tag name="KSO_WM_BEAUTIFY_FLAG" val="#wm#"/>
-  <p:tag name="KSO_WM_UNIT_PRESET_TEXT" val="单击此处输入正文标题内容"/>
-  <p:tag name="KSO_WM_UNIT_TEXTBOXSTYLE_GUID" val="{b7ac5097-dede-4cbb-aabe-df0a49354ae8}"/>
-  <p:tag name="KSO_WM_UNIT_TEXTBOXSTYLE_TEMPLATEID" val="3131121"/>
-  <p:tag name="KSO_WM_UNIT_TEXTBOXSTYLE_TYPE" val="3"/>
-</p:tagLst>
-</file>
-
-<file path=ppt/tags/tag128.xml><?xml version="1.0" encoding="utf-8"?>
-<p:tagLst xmlns:a="http://schemas.openxmlformats.org/drawingml/2006/main" xmlns:r="http://schemas.openxmlformats.org/officeDocument/2006/relationships" xmlns:p="http://schemas.openxmlformats.org/presentationml/2006/main">
-  <p:tag name="KSO_WM_UNIT_TEXTBOXSTYLE_SHAPETYPE" val="0"/>
-  <p:tag name="KSO_WM_UNIT_TEXTBOXSTYLE_TEMPLATETYPE" val="1"/>
-  <p:tag name="KSO_WM_UNIT_ISCONTENTSTITLE" val="0"/>
-  <p:tag name="KSO_WM_UNIT_NOCLEAR" val="0"/>
-  <p:tag name="KSO_WM_UNIT_VALUE" val="35"/>
-  <p:tag name="KSO_WM_UNIT_HIGHLIGHT" val="0"/>
-  <p:tag name="KSO_WM_UNIT_COMPATIBLE" val="0"/>
-  <p:tag name="KSO_WM_UNIT_DIAGRAM_ISNUMVISUAL" val="0"/>
-  <p:tag name="KSO_WM_UNIT_DIAGRAM_ISREFERUNIT" val="0"/>
-  <p:tag name="KSO_WM_UNIT_TYPE" val="a"/>
-  <p:tag name="KSO_WM_UNIT_INDEX" val="1"/>
-  <p:tag name="KSO_WM_UNIT_ID" val="mixed20201883_98*a*1"/>
-  <p:tag name="KSO_WM_TEMPLATE_CATEGORY" val="mixed"/>
-  <p:tag name="KSO_WM_TEMPLATE_INDEX" val="20201883"/>
-  <p:tag name="KSO_WM_UNIT_LAYERLEVEL" val="1"/>
-  <p:tag name="KSO_WM_TAG_VERSION" val="1.0"/>
-  <p:tag name="KSO_WM_BEAUTIFY_FLAG" val="#wm#"/>
-  <p:tag name="KSO_WM_UNIT_PRESET_TEXT" val="单击此处输入正文标题内容"/>
-  <p:tag name="KSO_WM_UNIT_TEXTBOXSTYLE_GUID" val="{b7ac5097-dede-4cbb-aabe-df0a49354ae8}"/>
-  <p:tag name="KSO_WM_UNIT_TEXTBOXSTYLE_TEMPLATEID" val="3131121"/>
-  <p:tag name="KSO_WM_UNIT_TEXTBOXSTYLE_TYPE" val="3"/>
-</p:tagLst>
-</file>
-
-<file path=ppt/tags/tag129.xml><?xml version="1.0" encoding="utf-8"?>
-<p:tagLst xmlns:a="http://schemas.openxmlformats.org/drawingml/2006/main" xmlns:r="http://schemas.openxmlformats.org/officeDocument/2006/relationships" xmlns:p="http://schemas.openxmlformats.org/presentationml/2006/main">
-  <p:tag name="KSO_WM_UNIT_TEXTBOXSTYLE_SHAPETYPE" val="0"/>
-  <p:tag name="KSO_WM_UNIT_TEXTBOXSTYLE_TEMPLATETYPE" val="1"/>
-  <p:tag name="KSO_WM_UNIT_ISCONTENTSTITLE" val="0"/>
-  <p:tag name="KSO_WM_UNIT_NOCLEAR" val="0"/>
-  <p:tag name="KSO_WM_UNIT_VALUE" val="35"/>
-  <p:tag name="KSO_WM_UNIT_HIGHLIGHT" val="0"/>
-  <p:tag name="KSO_WM_UNIT_COMPATIBLE" val="0"/>
-  <p:tag name="KSO_WM_UNIT_DIAGRAM_ISNUMVISUAL" val="0"/>
-  <p:tag name="KSO_WM_UNIT_DIAGRAM_ISREFERUNIT" val="0"/>
-  <p:tag name="KSO_WM_UNIT_TYPE" val="a"/>
-  <p:tag name="KSO_WM_UNIT_INDEX" val="1"/>
-  <p:tag name="KSO_WM_UNIT_ID" val="mixed20201883_98*a*1"/>
-  <p:tag name="KSO_WM_TEMPLATE_CATEGORY" val="mixed"/>
-  <p:tag name="KSO_WM_TEMPLATE_INDEX" val="20201883"/>
-  <p:tag name="KSO_WM_UNIT_LAYERLEVEL" val="1"/>
-  <p:tag name="KSO_WM_TAG_VERSION" val="1.0"/>
-  <p:tag name="KSO_WM_BEAUTIFY_FLAG" val="#wm#"/>
-  <p:tag name="KSO_WM_UNIT_PRESET_TEXT" val="单击此处输入正文标题内容"/>
-  <p:tag name="KSO_WM_UNIT_TEXTBOXSTYLE_GUID" val="{b7ac5097-dede-4cbb-aabe-df0a49354ae8}"/>
-  <p:tag name="KSO_WM_UNIT_TEXTBOXSTYLE_TEMPLATEID" val="3131121"/>
-  <p:tag name="KSO_WM_UNIT_TEXTBOXSTYLE_TYPE" val="3"/>
-</p:tagLst>
-</file>
-
 <file path=ppt/tags/tag13.xml><?xml version="1.0" encoding="utf-8"?>
 <p:tagLst xmlns:a="http://schemas.openxmlformats.org/drawingml/2006/main" xmlns:r="http://schemas.openxmlformats.org/officeDocument/2006/relationships" xmlns:p="http://schemas.openxmlformats.org/presentationml/2006/main">
   <p:tag name="KSO_WM_UNIT_HIGHLIGHT" val="0"/>
@@ -47282,250 +45154,6 @@
   <p:tag name="KSO_WM_UNIT_LAYERLEVEL" val="1"/>
   <p:tag name="KSO_WM_TAG_VERSION" val="1.0"/>
   <p:tag name="KSO_WM_BEAUTIFY_FLAG" val="#wm#"/>
-</p:tagLst>
-</file>
-
-<file path=ppt/tags/tag130.xml><?xml version="1.0" encoding="utf-8"?>
-<p:tagLst xmlns:a="http://schemas.openxmlformats.org/drawingml/2006/main" xmlns:r="http://schemas.openxmlformats.org/officeDocument/2006/relationships" xmlns:p="http://schemas.openxmlformats.org/presentationml/2006/main">
-  <p:tag name="KSO_WM_UNIT_TEXTBOXSTYLE_SHAPETYPE" val="0"/>
-  <p:tag name="KSO_WM_UNIT_TEXTBOXSTYLE_TEMPLATETYPE" val="1"/>
-  <p:tag name="KSO_WM_UNIT_ISCONTENTSTITLE" val="0"/>
-  <p:tag name="KSO_WM_UNIT_NOCLEAR" val="0"/>
-  <p:tag name="KSO_WM_UNIT_VALUE" val="35"/>
-  <p:tag name="KSO_WM_UNIT_HIGHLIGHT" val="0"/>
-  <p:tag name="KSO_WM_UNIT_COMPATIBLE" val="0"/>
-  <p:tag name="KSO_WM_UNIT_DIAGRAM_ISNUMVISUAL" val="0"/>
-  <p:tag name="KSO_WM_UNIT_DIAGRAM_ISREFERUNIT" val="0"/>
-  <p:tag name="KSO_WM_UNIT_TYPE" val="a"/>
-  <p:tag name="KSO_WM_UNIT_INDEX" val="1"/>
-  <p:tag name="KSO_WM_UNIT_ID" val="mixed20201883_98*a*1"/>
-  <p:tag name="KSO_WM_TEMPLATE_CATEGORY" val="mixed"/>
-  <p:tag name="KSO_WM_TEMPLATE_INDEX" val="20201883"/>
-  <p:tag name="KSO_WM_UNIT_LAYERLEVEL" val="1"/>
-  <p:tag name="KSO_WM_TAG_VERSION" val="1.0"/>
-  <p:tag name="KSO_WM_BEAUTIFY_FLAG" val="#wm#"/>
-  <p:tag name="KSO_WM_UNIT_PRESET_TEXT" val="单击此处输入正文标题内容"/>
-  <p:tag name="KSO_WM_UNIT_TEXTBOXSTYLE_GUID" val="{b7ac5097-dede-4cbb-aabe-df0a49354ae8}"/>
-  <p:tag name="KSO_WM_UNIT_TEXTBOXSTYLE_TEMPLATEID" val="3131121"/>
-  <p:tag name="KSO_WM_UNIT_TEXTBOXSTYLE_TYPE" val="3"/>
-</p:tagLst>
-</file>
-
-<file path=ppt/tags/tag131.xml><?xml version="1.0" encoding="utf-8"?>
-<p:tagLst xmlns:a="http://schemas.openxmlformats.org/drawingml/2006/main" xmlns:r="http://schemas.openxmlformats.org/officeDocument/2006/relationships" xmlns:p="http://schemas.openxmlformats.org/presentationml/2006/main">
-  <p:tag name="KSO_WM_UNIT_TEXTBOXSTYLE_SHAPETYPE" val="0"/>
-  <p:tag name="KSO_WM_UNIT_TEXTBOXSTYLE_TEMPLATETYPE" val="1"/>
-  <p:tag name="KSO_WM_UNIT_ISCONTENTSTITLE" val="0"/>
-  <p:tag name="KSO_WM_UNIT_NOCLEAR" val="0"/>
-  <p:tag name="KSO_WM_UNIT_VALUE" val="35"/>
-  <p:tag name="KSO_WM_UNIT_HIGHLIGHT" val="0"/>
-  <p:tag name="KSO_WM_UNIT_COMPATIBLE" val="0"/>
-  <p:tag name="KSO_WM_UNIT_DIAGRAM_ISNUMVISUAL" val="0"/>
-  <p:tag name="KSO_WM_UNIT_DIAGRAM_ISREFERUNIT" val="0"/>
-  <p:tag name="KSO_WM_UNIT_TYPE" val="a"/>
-  <p:tag name="KSO_WM_UNIT_INDEX" val="1"/>
-  <p:tag name="KSO_WM_UNIT_ID" val="mixed20201883_98*a*1"/>
-  <p:tag name="KSO_WM_TEMPLATE_CATEGORY" val="mixed"/>
-  <p:tag name="KSO_WM_TEMPLATE_INDEX" val="20201883"/>
-  <p:tag name="KSO_WM_UNIT_LAYERLEVEL" val="1"/>
-  <p:tag name="KSO_WM_TAG_VERSION" val="1.0"/>
-  <p:tag name="KSO_WM_BEAUTIFY_FLAG" val="#wm#"/>
-  <p:tag name="KSO_WM_UNIT_PRESET_TEXT" val="单击此处输入正文标题内容"/>
-  <p:tag name="KSO_WM_UNIT_TEXTBOXSTYLE_GUID" val="{b7ac5097-dede-4cbb-aabe-df0a49354ae8}"/>
-  <p:tag name="KSO_WM_UNIT_TEXTBOXSTYLE_TEMPLATEID" val="3131121"/>
-  <p:tag name="KSO_WM_UNIT_TEXTBOXSTYLE_TYPE" val="3"/>
-</p:tagLst>
-</file>
-
-<file path=ppt/tags/tag132.xml><?xml version="1.0" encoding="utf-8"?>
-<p:tagLst xmlns:a="http://schemas.openxmlformats.org/drawingml/2006/main" xmlns:r="http://schemas.openxmlformats.org/officeDocument/2006/relationships" xmlns:p="http://schemas.openxmlformats.org/presentationml/2006/main">
-  <p:tag name="KSO_WM_UNIT_TEXTBOXSTYLE_SHAPETYPE" val="0"/>
-  <p:tag name="KSO_WM_UNIT_TEXTBOXSTYLE_TEMPLATETYPE" val="1"/>
-  <p:tag name="KSO_WM_UNIT_ISCONTENTSTITLE" val="0"/>
-  <p:tag name="KSO_WM_UNIT_NOCLEAR" val="0"/>
-  <p:tag name="KSO_WM_UNIT_VALUE" val="35"/>
-  <p:tag name="KSO_WM_UNIT_HIGHLIGHT" val="0"/>
-  <p:tag name="KSO_WM_UNIT_COMPATIBLE" val="0"/>
-  <p:tag name="KSO_WM_UNIT_DIAGRAM_ISNUMVISUAL" val="0"/>
-  <p:tag name="KSO_WM_UNIT_DIAGRAM_ISREFERUNIT" val="0"/>
-  <p:tag name="KSO_WM_UNIT_TYPE" val="a"/>
-  <p:tag name="KSO_WM_UNIT_INDEX" val="1"/>
-  <p:tag name="KSO_WM_UNIT_ID" val="mixed20201883_98*a*1"/>
-  <p:tag name="KSO_WM_TEMPLATE_CATEGORY" val="mixed"/>
-  <p:tag name="KSO_WM_TEMPLATE_INDEX" val="20201883"/>
-  <p:tag name="KSO_WM_UNIT_LAYERLEVEL" val="1"/>
-  <p:tag name="KSO_WM_TAG_VERSION" val="1.0"/>
-  <p:tag name="KSO_WM_BEAUTIFY_FLAG" val="#wm#"/>
-  <p:tag name="KSO_WM_UNIT_PRESET_TEXT" val="单击此处输入正文标题内容"/>
-  <p:tag name="KSO_WM_UNIT_TEXTBOXSTYLE_GUID" val="{b7ac5097-dede-4cbb-aabe-df0a49354ae8}"/>
-  <p:tag name="KSO_WM_UNIT_TEXTBOXSTYLE_TEMPLATEID" val="3131121"/>
-  <p:tag name="KSO_WM_UNIT_TEXTBOXSTYLE_TYPE" val="3"/>
-</p:tagLst>
-</file>
-
-<file path=ppt/tags/tag133.xml><?xml version="1.0" encoding="utf-8"?>
-<p:tagLst xmlns:a="http://schemas.openxmlformats.org/drawingml/2006/main" xmlns:r="http://schemas.openxmlformats.org/officeDocument/2006/relationships" xmlns:p="http://schemas.openxmlformats.org/presentationml/2006/main">
-  <p:tag name="KSO_WM_UNIT_TEXTBOXSTYLE_SHAPETYPE" val="0"/>
-  <p:tag name="KSO_WM_UNIT_TEXTBOXSTYLE_TEMPLATETYPE" val="1"/>
-  <p:tag name="KSO_WM_UNIT_ISCONTENTSTITLE" val="0"/>
-  <p:tag name="KSO_WM_UNIT_NOCLEAR" val="0"/>
-  <p:tag name="KSO_WM_UNIT_VALUE" val="35"/>
-  <p:tag name="KSO_WM_UNIT_HIGHLIGHT" val="0"/>
-  <p:tag name="KSO_WM_UNIT_COMPATIBLE" val="0"/>
-  <p:tag name="KSO_WM_UNIT_DIAGRAM_ISNUMVISUAL" val="0"/>
-  <p:tag name="KSO_WM_UNIT_DIAGRAM_ISREFERUNIT" val="0"/>
-  <p:tag name="KSO_WM_UNIT_TYPE" val="a"/>
-  <p:tag name="KSO_WM_UNIT_INDEX" val="1"/>
-  <p:tag name="KSO_WM_UNIT_ID" val="mixed20201883_98*a*1"/>
-  <p:tag name="KSO_WM_TEMPLATE_CATEGORY" val="mixed"/>
-  <p:tag name="KSO_WM_TEMPLATE_INDEX" val="20201883"/>
-  <p:tag name="KSO_WM_UNIT_LAYERLEVEL" val="1"/>
-  <p:tag name="KSO_WM_TAG_VERSION" val="1.0"/>
-  <p:tag name="KSO_WM_BEAUTIFY_FLAG" val="#wm#"/>
-  <p:tag name="KSO_WM_UNIT_PRESET_TEXT" val="单击此处输入正文标题内容"/>
-  <p:tag name="KSO_WM_UNIT_TEXTBOXSTYLE_GUID" val="{b7ac5097-dede-4cbb-aabe-df0a49354ae8}"/>
-  <p:tag name="KSO_WM_UNIT_TEXTBOXSTYLE_TEMPLATEID" val="3131121"/>
-  <p:tag name="KSO_WM_UNIT_TEXTBOXSTYLE_TYPE" val="3"/>
-</p:tagLst>
-</file>
-
-<file path=ppt/tags/tag134.xml><?xml version="1.0" encoding="utf-8"?>
-<p:tagLst xmlns:a="http://schemas.openxmlformats.org/drawingml/2006/main" xmlns:r="http://schemas.openxmlformats.org/officeDocument/2006/relationships" xmlns:p="http://schemas.openxmlformats.org/presentationml/2006/main">
-  <p:tag name="KSO_WM_TEMPLATE_THUMBS_INDEX" val="1"/>
-  <p:tag name="KSO_WM_SLIDE_ID" val="custom20187308_1"/>
-  <p:tag name="KSO_WM_TEMPLATE_SUBCATEGORY" val="0"/>
-  <p:tag name="KSO_WM_SLIDE_TYPE" val="title"/>
-  <p:tag name="KSO_WM_SLIDE_SUBTYPE" val="defaultBlank"/>
-  <p:tag name="KSO_WM_SLIDE_ITEM_CNT" val="0"/>
-  <p:tag name="KSO_WM_SLIDE_INDEX" val="1"/>
-  <p:tag name="KSO_WM_TAG_VERSION" val="1.0"/>
-  <p:tag name="KSO_WM_BEAUTIFY_FLAG" val="#wm#"/>
-  <p:tag name="KSO_WM_TEMPLATE_CATEGORY" val="custom"/>
-  <p:tag name="KSO_WM_TEMPLATE_INDEX" val="20187308"/>
-  <p:tag name="KSO_WM_SLIDE_LAYOUT" val="a_b"/>
-  <p:tag name="KSO_WM_SLIDE_LAYOUT_CNT" val="1_1"/>
-</p:tagLst>
-</file>
-
-<file path=ppt/tags/tag135.xml><?xml version="1.0" encoding="utf-8"?>
-<p:tagLst xmlns:a="http://schemas.openxmlformats.org/drawingml/2006/main" xmlns:r="http://schemas.openxmlformats.org/officeDocument/2006/relationships" xmlns:p="http://schemas.openxmlformats.org/presentationml/2006/main">
-  <p:tag name="KSO_WM_UNIT_TEXTBOXSTYLE_SHAPETYPE" val="0"/>
-  <p:tag name="KSO_WM_UNIT_TEXTBOXSTYLE_TEMPLATETYPE" val="1"/>
-  <p:tag name="KSO_WM_UNIT_ISCONTENTSTITLE" val="0"/>
-  <p:tag name="KSO_WM_UNIT_NOCLEAR" val="0"/>
-  <p:tag name="KSO_WM_UNIT_VALUE" val="35"/>
-  <p:tag name="KSO_WM_UNIT_HIGHLIGHT" val="0"/>
-  <p:tag name="KSO_WM_UNIT_COMPATIBLE" val="0"/>
-  <p:tag name="KSO_WM_UNIT_DIAGRAM_ISNUMVISUAL" val="0"/>
-  <p:tag name="KSO_WM_UNIT_DIAGRAM_ISREFERUNIT" val="0"/>
-  <p:tag name="KSO_WM_UNIT_TYPE" val="a"/>
-  <p:tag name="KSO_WM_UNIT_INDEX" val="1"/>
-  <p:tag name="KSO_WM_UNIT_ID" val="mixed20201883_98*a*1"/>
-  <p:tag name="KSO_WM_TEMPLATE_CATEGORY" val="mixed"/>
-  <p:tag name="KSO_WM_TEMPLATE_INDEX" val="20201883"/>
-  <p:tag name="KSO_WM_UNIT_LAYERLEVEL" val="1"/>
-  <p:tag name="KSO_WM_TAG_VERSION" val="1.0"/>
-  <p:tag name="KSO_WM_BEAUTIFY_FLAG" val="#wm#"/>
-  <p:tag name="KSO_WM_UNIT_PRESET_TEXT" val="单击此处输入正文标题内容"/>
-  <p:tag name="KSO_WM_UNIT_TEXTBOXSTYLE_GUID" val="{b7ac5097-dede-4cbb-aabe-df0a49354ae8}"/>
-  <p:tag name="KSO_WM_UNIT_TEXTBOXSTYLE_TEMPLATEID" val="3131121"/>
-  <p:tag name="KSO_WM_UNIT_TEXTBOXSTYLE_TYPE" val="3"/>
-</p:tagLst>
-</file>
-
-<file path=ppt/tags/tag136.xml><?xml version="1.0" encoding="utf-8"?>
-<p:tagLst xmlns:a="http://schemas.openxmlformats.org/drawingml/2006/main" xmlns:r="http://schemas.openxmlformats.org/officeDocument/2006/relationships" xmlns:p="http://schemas.openxmlformats.org/presentationml/2006/main">
-  <p:tag name="KSO_WM_UNIT_TEXTBOXSTYLE_SHAPETYPE" val="0"/>
-  <p:tag name="KSO_WM_UNIT_TEXTBOXSTYLE_TEMPLATETYPE" val="1"/>
-  <p:tag name="KSO_WM_UNIT_ISCONTENTSTITLE" val="0"/>
-  <p:tag name="KSO_WM_UNIT_NOCLEAR" val="0"/>
-  <p:tag name="KSO_WM_UNIT_VALUE" val="35"/>
-  <p:tag name="KSO_WM_UNIT_HIGHLIGHT" val="0"/>
-  <p:tag name="KSO_WM_UNIT_COMPATIBLE" val="0"/>
-  <p:tag name="KSO_WM_UNIT_DIAGRAM_ISNUMVISUAL" val="0"/>
-  <p:tag name="KSO_WM_UNIT_DIAGRAM_ISREFERUNIT" val="0"/>
-  <p:tag name="KSO_WM_UNIT_TYPE" val="a"/>
-  <p:tag name="KSO_WM_UNIT_INDEX" val="1"/>
-  <p:tag name="KSO_WM_UNIT_ID" val="mixed20201883_98*a*1"/>
-  <p:tag name="KSO_WM_TEMPLATE_CATEGORY" val="mixed"/>
-  <p:tag name="KSO_WM_TEMPLATE_INDEX" val="20201883"/>
-  <p:tag name="KSO_WM_UNIT_LAYERLEVEL" val="1"/>
-  <p:tag name="KSO_WM_TAG_VERSION" val="1.0"/>
-  <p:tag name="KSO_WM_BEAUTIFY_FLAG" val="#wm#"/>
-  <p:tag name="KSO_WM_UNIT_PRESET_TEXT" val="单击此处输入正文标题内容"/>
-  <p:tag name="KSO_WM_UNIT_TEXTBOXSTYLE_GUID" val="{b7ac5097-dede-4cbb-aabe-df0a49354ae8}"/>
-  <p:tag name="KSO_WM_UNIT_TEXTBOXSTYLE_TEMPLATEID" val="3131121"/>
-  <p:tag name="KSO_WM_UNIT_TEXTBOXSTYLE_TYPE" val="3"/>
-</p:tagLst>
-</file>
-
-<file path=ppt/tags/tag137.xml><?xml version="1.0" encoding="utf-8"?>
-<p:tagLst xmlns:a="http://schemas.openxmlformats.org/drawingml/2006/main" xmlns:r="http://schemas.openxmlformats.org/officeDocument/2006/relationships" xmlns:p="http://schemas.openxmlformats.org/presentationml/2006/main">
-  <p:tag name="KSO_WM_UNIT_TEXTBOXSTYLE_SHAPETYPE" val="0"/>
-  <p:tag name="KSO_WM_UNIT_TEXTBOXSTYLE_TEMPLATETYPE" val="1"/>
-  <p:tag name="KSO_WM_UNIT_ISCONTENTSTITLE" val="0"/>
-  <p:tag name="KSO_WM_UNIT_NOCLEAR" val="0"/>
-  <p:tag name="KSO_WM_UNIT_VALUE" val="35"/>
-  <p:tag name="KSO_WM_UNIT_HIGHLIGHT" val="0"/>
-  <p:tag name="KSO_WM_UNIT_COMPATIBLE" val="0"/>
-  <p:tag name="KSO_WM_UNIT_DIAGRAM_ISNUMVISUAL" val="0"/>
-  <p:tag name="KSO_WM_UNIT_DIAGRAM_ISREFERUNIT" val="0"/>
-  <p:tag name="KSO_WM_UNIT_TYPE" val="a"/>
-  <p:tag name="KSO_WM_UNIT_INDEX" val="1"/>
-  <p:tag name="KSO_WM_UNIT_ID" val="mixed20201883_98*a*1"/>
-  <p:tag name="KSO_WM_TEMPLATE_CATEGORY" val="mixed"/>
-  <p:tag name="KSO_WM_TEMPLATE_INDEX" val="20201883"/>
-  <p:tag name="KSO_WM_UNIT_LAYERLEVEL" val="1"/>
-  <p:tag name="KSO_WM_TAG_VERSION" val="1.0"/>
-  <p:tag name="KSO_WM_BEAUTIFY_FLAG" val="#wm#"/>
-  <p:tag name="KSO_WM_UNIT_PRESET_TEXT" val="单击此处输入正文标题内容"/>
-  <p:tag name="KSO_WM_UNIT_TEXTBOXSTYLE_GUID" val="{b7ac5097-dede-4cbb-aabe-df0a49354ae8}"/>
-  <p:tag name="KSO_WM_UNIT_TEXTBOXSTYLE_TEMPLATEID" val="3131121"/>
-  <p:tag name="KSO_WM_UNIT_TEXTBOXSTYLE_TYPE" val="3"/>
-</p:tagLst>
-</file>
-
-<file path=ppt/tags/tag138.xml><?xml version="1.0" encoding="utf-8"?>
-<p:tagLst xmlns:a="http://schemas.openxmlformats.org/drawingml/2006/main" xmlns:r="http://schemas.openxmlformats.org/officeDocument/2006/relationships" xmlns:p="http://schemas.openxmlformats.org/presentationml/2006/main">
-  <p:tag name="KSO_WM_UNIT_TEXTBOXSTYLE_SHAPETYPE" val="0"/>
-  <p:tag name="KSO_WM_UNIT_TEXTBOXSTYLE_TEMPLATETYPE" val="1"/>
-  <p:tag name="KSO_WM_UNIT_ISCONTENTSTITLE" val="0"/>
-  <p:tag name="KSO_WM_UNIT_NOCLEAR" val="0"/>
-  <p:tag name="KSO_WM_UNIT_VALUE" val="35"/>
-  <p:tag name="KSO_WM_UNIT_HIGHLIGHT" val="0"/>
-  <p:tag name="KSO_WM_UNIT_COMPATIBLE" val="0"/>
-  <p:tag name="KSO_WM_UNIT_DIAGRAM_ISNUMVISUAL" val="0"/>
-  <p:tag name="KSO_WM_UNIT_DIAGRAM_ISREFERUNIT" val="0"/>
-  <p:tag name="KSO_WM_UNIT_TYPE" val="a"/>
-  <p:tag name="KSO_WM_UNIT_INDEX" val="1"/>
-  <p:tag name="KSO_WM_UNIT_ID" val="mixed20201883_98*a*1"/>
-  <p:tag name="KSO_WM_TEMPLATE_CATEGORY" val="mixed"/>
-  <p:tag name="KSO_WM_TEMPLATE_INDEX" val="20201883"/>
-  <p:tag name="KSO_WM_UNIT_LAYERLEVEL" val="1"/>
-  <p:tag name="KSO_WM_TAG_VERSION" val="1.0"/>
-  <p:tag name="KSO_WM_BEAUTIFY_FLAG" val="#wm#"/>
-  <p:tag name="KSO_WM_UNIT_PRESET_TEXT" val="单击此处输入正文标题内容"/>
-  <p:tag name="KSO_WM_UNIT_TEXTBOXSTYLE_GUID" val="{b7ac5097-dede-4cbb-aabe-df0a49354ae8}"/>
-  <p:tag name="KSO_WM_UNIT_TEXTBOXSTYLE_TEMPLATEID" val="3131121"/>
-  <p:tag name="KSO_WM_UNIT_TEXTBOXSTYLE_TYPE" val="3"/>
-</p:tagLst>
-</file>
-
-<file path=ppt/tags/tag139.xml><?xml version="1.0" encoding="utf-8"?>
-<p:tagLst xmlns:a="http://schemas.openxmlformats.org/drawingml/2006/main" xmlns:r="http://schemas.openxmlformats.org/officeDocument/2006/relationships" xmlns:p="http://schemas.openxmlformats.org/presentationml/2006/main">
-  <p:tag name="KSO_WM_TEMPLATE_THUMBS_INDEX" val="1"/>
-  <p:tag name="KSO_WM_SLIDE_ID" val="custom20187308_1"/>
-  <p:tag name="KSO_WM_TEMPLATE_SUBCATEGORY" val="0"/>
-  <p:tag name="KSO_WM_SLIDE_TYPE" val="title"/>
-  <p:tag name="KSO_WM_SLIDE_SUBTYPE" val="defaultBlank"/>
-  <p:tag name="KSO_WM_SLIDE_ITEM_CNT" val="0"/>
-  <p:tag name="KSO_WM_SLIDE_INDEX" val="1"/>
-  <p:tag name="KSO_WM_TAG_VERSION" val="1.0"/>
-  <p:tag name="KSO_WM_BEAUTIFY_FLAG" val="#wm#"/>
-  <p:tag name="KSO_WM_TEMPLATE_CATEGORY" val="custom"/>
-  <p:tag name="KSO_WM_TEMPLATE_INDEX" val="20187308"/>
-  <p:tag name="KSO_WM_SLIDE_LAYOUT" val="a_b"/>
-  <p:tag name="KSO_WM_SLIDE_LAYOUT_CNT" val="1_1"/>
 </p:tagLst>
 </file>
 
@@ -48781,27 +46409,19 @@
 
 <file path=ppt/tags/tag98.xml><?xml version="1.0" encoding="utf-8"?>
 <p:tagLst xmlns:a="http://schemas.openxmlformats.org/drawingml/2006/main" xmlns:r="http://schemas.openxmlformats.org/officeDocument/2006/relationships" xmlns:p="http://schemas.openxmlformats.org/presentationml/2006/main">
-  <p:tag name="KSO_WM_UNIT_TEXTBOXSTYLE_SHAPETYPE" val="0"/>
-  <p:tag name="KSO_WM_UNIT_TEXTBOXSTYLE_TEMPLATETYPE" val="1"/>
-  <p:tag name="KSO_WM_UNIT_ISCONTENTSTITLE" val="0"/>
-  <p:tag name="KSO_WM_UNIT_NOCLEAR" val="0"/>
-  <p:tag name="KSO_WM_UNIT_VALUE" val="35"/>
-  <p:tag name="KSO_WM_UNIT_HIGHLIGHT" val="0"/>
-  <p:tag name="KSO_WM_UNIT_COMPATIBLE" val="0"/>
-  <p:tag name="KSO_WM_UNIT_DIAGRAM_ISNUMVISUAL" val="0"/>
-  <p:tag name="KSO_WM_UNIT_DIAGRAM_ISREFERUNIT" val="0"/>
-  <p:tag name="KSO_WM_UNIT_TYPE" val="a"/>
-  <p:tag name="KSO_WM_UNIT_INDEX" val="1"/>
-  <p:tag name="KSO_WM_UNIT_ID" val="mixed20201883_98*a*1"/>
-  <p:tag name="KSO_WM_TEMPLATE_CATEGORY" val="mixed"/>
-  <p:tag name="KSO_WM_TEMPLATE_INDEX" val="20201883"/>
-  <p:tag name="KSO_WM_UNIT_LAYERLEVEL" val="1"/>
+  <p:tag name="KSO_WM_TEMPLATE_THUMBS_INDEX" val="1"/>
+  <p:tag name="KSO_WM_SLIDE_ID" val="custom20187308_1"/>
+  <p:tag name="KSO_WM_TEMPLATE_SUBCATEGORY" val="0"/>
+  <p:tag name="KSO_WM_SLIDE_TYPE" val="title"/>
+  <p:tag name="KSO_WM_SLIDE_SUBTYPE" val="defaultBlank"/>
+  <p:tag name="KSO_WM_SLIDE_ITEM_CNT" val="0"/>
+  <p:tag name="KSO_WM_SLIDE_INDEX" val="1"/>
   <p:tag name="KSO_WM_TAG_VERSION" val="1.0"/>
   <p:tag name="KSO_WM_BEAUTIFY_FLAG" val="#wm#"/>
-  <p:tag name="KSO_WM_UNIT_PRESET_TEXT" val="单击此处输入正文标题内容"/>
-  <p:tag name="KSO_WM_UNIT_TEXTBOXSTYLE_GUID" val="{b7ac5097-dede-4cbb-aabe-df0a49354ae8}"/>
-  <p:tag name="KSO_WM_UNIT_TEXTBOXSTYLE_TEMPLATEID" val="3131121"/>
-  <p:tag name="KSO_WM_UNIT_TEXTBOXSTYLE_TYPE" val="3"/>
+  <p:tag name="KSO_WM_TEMPLATE_CATEGORY" val="custom"/>
+  <p:tag name="KSO_WM_TEMPLATE_INDEX" val="20187308"/>
+  <p:tag name="KSO_WM_SLIDE_LAYOUT" val="a_b"/>
+  <p:tag name="KSO_WM_SLIDE_LAYOUT_CNT" val="1_1"/>
 </p:tagLst>
 </file>
 

--- a/翻转课堂/翻转课堂-维护PPT.pptx
+++ b/翻转课堂/翻转课堂-维护PPT.pptx
@@ -972,7 +972,7 @@
                 <a:latin typeface="宋体" panose="02010600030101010101" pitchFamily="2" charset="-122"/>
                 <a:ea typeface="宋体" panose="02010600030101010101" pitchFamily="2" charset="-122"/>
               </a:rPr>
-              <a:t>2020/12/24</a:t>
+              <a:t>2020/12/27</a:t>
             </a:fld>
             <a:endParaRPr lang="zh-CN" altLang="en-US" dirty="0">
               <a:latin typeface="宋体" panose="02010600030101010101" pitchFamily="2" charset="-122"/>
@@ -1156,7 +1156,7 @@
             <a:fld id="{1AC49D05-6128-4D0D-A32A-06A5E73B386C}" type="datetimeFigureOut">
               <a:rPr lang="zh-CN" altLang="en-US" smtClean="0"/>
               <a:pPr/>
-              <a:t>2020/12/24</a:t>
+              <a:t>2020/12/27</a:t>
             </a:fld>
             <a:endParaRPr lang="zh-CN" altLang="en-US" dirty="0"/>
           </a:p>
@@ -3357,7 +3357,7 @@
           <a:p>
             <a:fld id="{760FBDFE-C587-4B4C-A407-44438C67B59E}" type="datetimeFigureOut">
               <a:rPr lang="zh-CN" altLang="en-US" smtClean="0"/>
-              <a:t>2020/12/24</a:t>
+              <a:t>2020/12/27</a:t>
             </a:fld>
             <a:endParaRPr lang="zh-CN" altLang="en-US"/>
           </a:p>
@@ -3727,7 +3727,7 @@
           <a:p>
             <a:fld id="{9EFD9D74-47D9-4702-A33C-335B63B48DBF}" type="datetimeFigureOut">
               <a:rPr lang="zh-CN" altLang="en-US" smtClean="0"/>
-              <a:t>2020/12/24</a:t>
+              <a:t>2020/12/27</a:t>
             </a:fld>
             <a:endParaRPr lang="zh-CN" altLang="en-US" dirty="0"/>
           </a:p>
@@ -4054,7 +4054,7 @@
           <a:p>
             <a:fld id="{760FBDFE-C587-4B4C-A407-44438C67B59E}" type="datetimeFigureOut">
               <a:rPr lang="zh-CN" altLang="en-US" smtClean="0"/>
-              <a:t>2020/12/24</a:t>
+              <a:t>2020/12/27</a:t>
             </a:fld>
             <a:endParaRPr lang="zh-CN" altLang="en-US"/>
           </a:p>
@@ -4177,7 +4177,7 @@
           <a:p>
             <a:fld id="{760FBDFE-C587-4B4C-A407-44438C67B59E}" type="datetimeFigureOut">
               <a:rPr lang="zh-CN" altLang="en-US" smtClean="0"/>
-              <a:t>2020/12/24</a:t>
+              <a:t>2020/12/27</a:t>
             </a:fld>
             <a:endParaRPr lang="zh-CN" altLang="en-US"/>
           </a:p>
@@ -4413,7 +4413,7 @@
           <a:p>
             <a:fld id="{760FBDFE-C587-4B4C-A407-44438C67B59E}" type="datetimeFigureOut">
               <a:rPr lang="zh-CN" altLang="en-US" smtClean="0"/>
-              <a:t>2020/12/24</a:t>
+              <a:t>2020/12/27</a:t>
             </a:fld>
             <a:endParaRPr lang="zh-CN" altLang="en-US"/>
           </a:p>
@@ -5271,7 +5271,7 @@
                 </a:solidFill>
               </a:rPr>
               <a:pPr/>
-              <a:t>2020/12/24</a:t>
+              <a:t>2020/12/27</a:t>
             </a:fld>
             <a:endParaRPr lang="zh-CN" altLang="en-US" dirty="0">
               <a:solidFill>
@@ -5454,7 +5454,7 @@
                 </a:solidFill>
               </a:rPr>
               <a:pPr/>
-              <a:t>2020/12/24</a:t>
+              <a:t>2020/12/27</a:t>
             </a:fld>
             <a:endParaRPr lang="zh-CN" altLang="en-US">
               <a:solidFill>
@@ -5717,7 +5717,7 @@
                 </a:solidFill>
               </a:rPr>
               <a:pPr/>
-              <a:t>2020/12/24</a:t>
+              <a:t>2020/12/27</a:t>
             </a:fld>
             <a:endParaRPr lang="zh-CN" altLang="en-US">
               <a:solidFill>
@@ -6528,7 +6528,7 @@
                 </a:solidFill>
               </a:rPr>
               <a:pPr/>
-              <a:t>2020/12/24</a:t>
+              <a:t>2020/12/27</a:t>
             </a:fld>
             <a:endParaRPr lang="zh-CN" altLang="en-US" dirty="0">
               <a:solidFill>
@@ -6711,7 +6711,7 @@
                 </a:solidFill>
               </a:rPr>
               <a:pPr/>
-              <a:t>2020/12/24</a:t>
+              <a:t>2020/12/27</a:t>
             </a:fld>
             <a:endParaRPr lang="zh-CN" altLang="en-US">
               <a:solidFill>
@@ -7043,7 +7043,7 @@
                 </a:solidFill>
               </a:rPr>
               <a:pPr/>
-              <a:t>2020/12/24</a:t>
+              <a:t>2020/12/27</a:t>
             </a:fld>
             <a:endParaRPr lang="zh-CN" altLang="en-US">
               <a:solidFill>
@@ -7854,7 +7854,7 @@
                 </a:solidFill>
               </a:rPr>
               <a:pPr/>
-              <a:t>2020/12/24</a:t>
+              <a:t>2020/12/27</a:t>
             </a:fld>
             <a:endParaRPr lang="zh-CN" altLang="en-US" dirty="0">
               <a:solidFill>
@@ -8037,7 +8037,7 @@
                 </a:solidFill>
               </a:rPr>
               <a:pPr/>
-              <a:t>2020/12/24</a:t>
+              <a:t>2020/12/27</a:t>
             </a:fld>
             <a:endParaRPr lang="zh-CN" altLang="en-US">
               <a:solidFill>
@@ -8300,7 +8300,7 @@
                 </a:solidFill>
               </a:rPr>
               <a:pPr/>
-              <a:t>2020/12/24</a:t>
+              <a:t>2020/12/27</a:t>
             </a:fld>
             <a:endParaRPr lang="zh-CN" altLang="en-US">
               <a:solidFill>
@@ -8807,7 +8807,7 @@
                 </a:solidFill>
               </a:rPr>
               <a:pPr/>
-              <a:t>2020/12/24</a:t>
+              <a:t>2020/12/27</a:t>
             </a:fld>
             <a:endParaRPr lang="zh-CN" altLang="en-US">
               <a:solidFill>
@@ -9037,7 +9037,7 @@
                 </a:solidFill>
               </a:rPr>
               <a:pPr/>
-              <a:t>2020/12/24</a:t>
+              <a:t>2020/12/27</a:t>
             </a:fld>
             <a:endParaRPr lang="zh-CN" altLang="en-US">
               <a:solidFill>
@@ -9469,7 +9469,7 @@
           <a:p>
             <a:fld id="{760FBDFE-C587-4B4C-A407-44438C67B59E}" type="datetimeFigureOut">
               <a:rPr lang="zh-CN" altLang="en-US" smtClean="0"/>
-              <a:t>2020/12/24</a:t>
+              <a:t>2020/12/27</a:t>
             </a:fld>
             <a:endParaRPr lang="zh-CN" altLang="en-US"/>
           </a:p>
@@ -9773,7 +9773,7 @@
           <a:p>
             <a:fld id="{760FBDFE-C587-4B4C-A407-44438C67B59E}" type="datetimeFigureOut">
               <a:rPr lang="zh-CN" altLang="en-US" smtClean="0"/>
-              <a:t>2020/12/24</a:t>
+              <a:t>2020/12/27</a:t>
             </a:fld>
             <a:endParaRPr lang="zh-CN" altLang="en-US"/>
           </a:p>
@@ -10274,7 +10274,7 @@
           <a:p>
             <a:fld id="{760FBDFE-C587-4B4C-A407-44438C67B59E}" type="datetimeFigureOut">
               <a:rPr lang="zh-CN" altLang="en-US" smtClean="0"/>
-              <a:t>2020/12/24</a:t>
+              <a:t>2020/12/27</a:t>
             </a:fld>
             <a:endParaRPr lang="zh-CN" altLang="en-US"/>
           </a:p>
@@ -11046,7 +11046,7 @@
           <a:p>
             <a:fld id="{760FBDFE-C587-4B4C-A407-44438C67B59E}" type="datetimeFigureOut">
               <a:rPr lang="zh-CN" altLang="en-US" smtClean="0"/>
-              <a:t>2020/12/24</a:t>
+              <a:t>2020/12/27</a:t>
             </a:fld>
             <a:endParaRPr lang="zh-CN" altLang="en-US"/>
           </a:p>
@@ -31420,9 +31420,9 @@
         </p:nvGrpSpPr>
         <p:grpSpPr>
           <a:xfrm flipH="1">
-            <a:off x="2173038" y="1027679"/>
+            <a:off x="2173039" y="1027679"/>
             <a:ext cx="750526" cy="692092"/>
-            <a:chOff x="6337404" y="2040370"/>
+            <a:chOff x="6337403" y="2040370"/>
             <a:chExt cx="819508" cy="755703"/>
           </a:xfrm>
           <a:solidFill>
@@ -31508,7 +31508,7 @@
           </p:nvSpPr>
           <p:spPr>
             <a:xfrm>
-              <a:off x="6337404" y="2208373"/>
+              <a:off x="6337403" y="2208373"/>
               <a:ext cx="819508" cy="396137"/>
             </a:xfrm>
             <a:prstGeom prst="rect">
@@ -31547,7 +31547,7 @@
                   <a:cs typeface="+mn-ea"/>
                   <a:sym typeface="+mn-lt"/>
                 </a:rPr>
-                <a:t>86.40</a:t>
+                <a:t>87.40</a:t>
               </a:r>
               <a:endParaRPr kumimoji="0" lang="en-GB" sz="1600" b="1" i="0" u="none" strike="noStrike" kern="0" cap="none" spc="0" normalizeH="0" baseline="0" noProof="0" dirty="0">
                 <a:ln>

--- a/翻转课堂/翻转课堂-维护PPT.pptx
+++ b/翻转课堂/翻转课堂-维护PPT.pptx
@@ -972,7 +972,7 @@
                 <a:latin typeface="宋体" panose="02010600030101010101" pitchFamily="2" charset="-122"/>
                 <a:ea typeface="宋体" panose="02010600030101010101" pitchFamily="2" charset="-122"/>
               </a:rPr>
-              <a:t>2020/12/27</a:t>
+              <a:t>2021/1/16</a:t>
             </a:fld>
             <a:endParaRPr lang="zh-CN" altLang="en-US" dirty="0">
               <a:latin typeface="宋体" panose="02010600030101010101" pitchFamily="2" charset="-122"/>
@@ -1156,7 +1156,7 @@
             <a:fld id="{1AC49D05-6128-4D0D-A32A-06A5E73B386C}" type="datetimeFigureOut">
               <a:rPr lang="zh-CN" altLang="en-US" smtClean="0"/>
               <a:pPr/>
-              <a:t>2020/12/27</a:t>
+              <a:t>2021/1/16</a:t>
             </a:fld>
             <a:endParaRPr lang="zh-CN" altLang="en-US" dirty="0"/>
           </a:p>
@@ -3357,7 +3357,7 @@
           <a:p>
             <a:fld id="{760FBDFE-C587-4B4C-A407-44438C67B59E}" type="datetimeFigureOut">
               <a:rPr lang="zh-CN" altLang="en-US" smtClean="0"/>
-              <a:t>2020/12/27</a:t>
+              <a:t>2021/1/16</a:t>
             </a:fld>
             <a:endParaRPr lang="zh-CN" altLang="en-US"/>
           </a:p>
@@ -3727,7 +3727,7 @@
           <a:p>
             <a:fld id="{9EFD9D74-47D9-4702-A33C-335B63B48DBF}" type="datetimeFigureOut">
               <a:rPr lang="zh-CN" altLang="en-US" smtClean="0"/>
-              <a:t>2020/12/27</a:t>
+              <a:t>2021/1/16</a:t>
             </a:fld>
             <a:endParaRPr lang="zh-CN" altLang="en-US" dirty="0"/>
           </a:p>
@@ -4054,7 +4054,7 @@
           <a:p>
             <a:fld id="{760FBDFE-C587-4B4C-A407-44438C67B59E}" type="datetimeFigureOut">
               <a:rPr lang="zh-CN" altLang="en-US" smtClean="0"/>
-              <a:t>2020/12/27</a:t>
+              <a:t>2021/1/16</a:t>
             </a:fld>
             <a:endParaRPr lang="zh-CN" altLang="en-US"/>
           </a:p>
@@ -4177,7 +4177,7 @@
           <a:p>
             <a:fld id="{760FBDFE-C587-4B4C-A407-44438C67B59E}" type="datetimeFigureOut">
               <a:rPr lang="zh-CN" altLang="en-US" smtClean="0"/>
-              <a:t>2020/12/27</a:t>
+              <a:t>2021/1/16</a:t>
             </a:fld>
             <a:endParaRPr lang="zh-CN" altLang="en-US"/>
           </a:p>
@@ -4413,7 +4413,7 @@
           <a:p>
             <a:fld id="{760FBDFE-C587-4B4C-A407-44438C67B59E}" type="datetimeFigureOut">
               <a:rPr lang="zh-CN" altLang="en-US" smtClean="0"/>
-              <a:t>2020/12/27</a:t>
+              <a:t>2021/1/16</a:t>
             </a:fld>
             <a:endParaRPr lang="zh-CN" altLang="en-US"/>
           </a:p>
@@ -5271,7 +5271,7 @@
                 </a:solidFill>
               </a:rPr>
               <a:pPr/>
-              <a:t>2020/12/27</a:t>
+              <a:t>2021/1/16</a:t>
             </a:fld>
             <a:endParaRPr lang="zh-CN" altLang="en-US" dirty="0">
               <a:solidFill>
@@ -5454,7 +5454,7 @@
                 </a:solidFill>
               </a:rPr>
               <a:pPr/>
-              <a:t>2020/12/27</a:t>
+              <a:t>2021/1/16</a:t>
             </a:fld>
             <a:endParaRPr lang="zh-CN" altLang="en-US">
               <a:solidFill>
@@ -5717,7 +5717,7 @@
                 </a:solidFill>
               </a:rPr>
               <a:pPr/>
-              <a:t>2020/12/27</a:t>
+              <a:t>2021/1/16</a:t>
             </a:fld>
             <a:endParaRPr lang="zh-CN" altLang="en-US">
               <a:solidFill>
@@ -6528,7 +6528,7 @@
                 </a:solidFill>
               </a:rPr>
               <a:pPr/>
-              <a:t>2020/12/27</a:t>
+              <a:t>2021/1/16</a:t>
             </a:fld>
             <a:endParaRPr lang="zh-CN" altLang="en-US" dirty="0">
               <a:solidFill>
@@ -6711,7 +6711,7 @@
                 </a:solidFill>
               </a:rPr>
               <a:pPr/>
-              <a:t>2020/12/27</a:t>
+              <a:t>2021/1/16</a:t>
             </a:fld>
             <a:endParaRPr lang="zh-CN" altLang="en-US">
               <a:solidFill>
@@ -7043,7 +7043,7 @@
                 </a:solidFill>
               </a:rPr>
               <a:pPr/>
-              <a:t>2020/12/27</a:t>
+              <a:t>2021/1/16</a:t>
             </a:fld>
             <a:endParaRPr lang="zh-CN" altLang="en-US">
               <a:solidFill>
@@ -7854,7 +7854,7 @@
                 </a:solidFill>
               </a:rPr>
               <a:pPr/>
-              <a:t>2020/12/27</a:t>
+              <a:t>2021/1/16</a:t>
             </a:fld>
             <a:endParaRPr lang="zh-CN" altLang="en-US" dirty="0">
               <a:solidFill>
@@ -8037,7 +8037,7 @@
                 </a:solidFill>
               </a:rPr>
               <a:pPr/>
-              <a:t>2020/12/27</a:t>
+              <a:t>2021/1/16</a:t>
             </a:fld>
             <a:endParaRPr lang="zh-CN" altLang="en-US">
               <a:solidFill>
@@ -8300,7 +8300,7 @@
                 </a:solidFill>
               </a:rPr>
               <a:pPr/>
-              <a:t>2020/12/27</a:t>
+              <a:t>2021/1/16</a:t>
             </a:fld>
             <a:endParaRPr lang="zh-CN" altLang="en-US">
               <a:solidFill>
@@ -8807,7 +8807,7 @@
                 </a:solidFill>
               </a:rPr>
               <a:pPr/>
-              <a:t>2020/12/27</a:t>
+              <a:t>2021/1/16</a:t>
             </a:fld>
             <a:endParaRPr lang="zh-CN" altLang="en-US">
               <a:solidFill>
@@ -9037,7 +9037,7 @@
                 </a:solidFill>
               </a:rPr>
               <a:pPr/>
-              <a:t>2020/12/27</a:t>
+              <a:t>2021/1/16</a:t>
             </a:fld>
             <a:endParaRPr lang="zh-CN" altLang="en-US">
               <a:solidFill>
@@ -9469,7 +9469,7 @@
           <a:p>
             <a:fld id="{760FBDFE-C587-4B4C-A407-44438C67B59E}" type="datetimeFigureOut">
               <a:rPr lang="zh-CN" altLang="en-US" smtClean="0"/>
-              <a:t>2020/12/27</a:t>
+              <a:t>2021/1/16</a:t>
             </a:fld>
             <a:endParaRPr lang="zh-CN" altLang="en-US"/>
           </a:p>
@@ -9773,7 +9773,7 @@
           <a:p>
             <a:fld id="{760FBDFE-C587-4B4C-A407-44438C67B59E}" type="datetimeFigureOut">
               <a:rPr lang="zh-CN" altLang="en-US" smtClean="0"/>
-              <a:t>2020/12/27</a:t>
+              <a:t>2021/1/16</a:t>
             </a:fld>
             <a:endParaRPr lang="zh-CN" altLang="en-US"/>
           </a:p>
@@ -10274,7 +10274,7 @@
           <a:p>
             <a:fld id="{760FBDFE-C587-4B4C-A407-44438C67B59E}" type="datetimeFigureOut">
               <a:rPr lang="zh-CN" altLang="en-US" smtClean="0"/>
-              <a:t>2020/12/27</a:t>
+              <a:t>2021/1/16</a:t>
             </a:fld>
             <a:endParaRPr lang="zh-CN" altLang="en-US"/>
           </a:p>
@@ -11046,7 +11046,7 @@
           <a:p>
             <a:fld id="{760FBDFE-C587-4B4C-A407-44438C67B59E}" type="datetimeFigureOut">
               <a:rPr lang="zh-CN" altLang="en-US" smtClean="0"/>
-              <a:t>2020/12/27</a:t>
+              <a:t>2021/1/16</a:t>
             </a:fld>
             <a:endParaRPr lang="zh-CN" altLang="en-US"/>
           </a:p>
@@ -39700,7 +39700,7 @@
                 <a:cs typeface="+mn-ea"/>
                 <a:sym typeface="+mn-lt"/>
               </a:rPr>
-              <a:t>适应性维护</a:t>
+              <a:t>完善性维护</a:t>
             </a:r>
             <a:endParaRPr kumimoji="0" lang="zh-CN" altLang="en-US" sz="1600" b="0" i="0" u="none" strike="noStrike" kern="0" cap="none" spc="0" normalizeH="0" baseline="0" noProof="0" dirty="0">
               <a:ln>
@@ -39874,7 +39874,7 @@
                 <a:cs typeface="+mn-ea"/>
                 <a:sym typeface="+mn-lt"/>
               </a:rPr>
-              <a:t>适应性</a:t>
+              <a:t>预防性</a:t>
             </a:r>
             <a:r>
               <a:rPr lang="zh-CN" altLang="en-US" sz="1600" kern="0" dirty="0">
